--- a/PPT/Css-v4.pptx
+++ b/PPT/Css-v4.pptx
@@ -5,7 +5,7 @@
     <p:sldMasterId id="2147483660" r:id="rId1"/>
   </p:sldMasterIdLst>
   <p:notesMasterIdLst>
-    <p:notesMasterId r:id="rId61"/>
+    <p:notesMasterId r:id="rId63"/>
   </p:notesMasterIdLst>
   <p:sldIdLst>
     <p:sldId id="256" r:id="rId2"/>
@@ -66,7 +66,9 @@
     <p:sldId id="419" r:id="rId57"/>
     <p:sldId id="420" r:id="rId58"/>
     <p:sldId id="421" r:id="rId59"/>
-    <p:sldId id="268" r:id="rId60"/>
+    <p:sldId id="422" r:id="rId60"/>
+    <p:sldId id="423" r:id="rId61"/>
+    <p:sldId id="268" r:id="rId62"/>
   </p:sldIdLst>
   <p:sldSz cx="12192000" cy="6858000"/>
   <p:notesSz cx="6858000" cy="9144000"/>
@@ -255,7 +257,7 @@
           <a:p>
             <a:fld id="{39CD3BCA-8732-46CA-ADDD-C24F968DBEAF}" type="datetimeFigureOut">
               <a:rPr lang="en-GB" smtClean="0"/>
-              <a:t>11/11/2020</a:t>
+              <a:t>12/11/2020</a:t>
             </a:fld>
             <a:endParaRPr lang="en-GB"/>
           </a:p>
@@ -917,6 +919,229 @@
     <p:extLst>
       <p:ext uri="{BB962C8B-B14F-4D97-AF65-F5344CB8AC3E}">
         <p14:creationId xmlns:p14="http://schemas.microsoft.com/office/powerpoint/2010/main" val="2105237002"/>
+      </p:ext>
+    </p:extLst>
+  </p:cSld>
+  <p:clrMapOvr>
+    <a:masterClrMapping/>
+  </p:clrMapOvr>
+</p:notes>
+</file>
+
+<file path=ppt/notesSlides/notesSlide13.xml><?xml version="1.0" encoding="utf-8"?>
+<p:notes xmlns:a="http://schemas.openxmlformats.org/drawingml/2006/main" xmlns:r="http://schemas.openxmlformats.org/officeDocument/2006/relationships" xmlns:p="http://schemas.openxmlformats.org/presentationml/2006/main">
+  <p:cSld>
+    <p:spTree>
+      <p:nvGrpSpPr>
+        <p:cNvPr id="1" name=""/>
+        <p:cNvGrpSpPr/>
+        <p:nvPr/>
+      </p:nvGrpSpPr>
+      <p:grpSpPr>
+        <a:xfrm>
+          <a:off x="0" y="0"/>
+          <a:ext cx="0" cy="0"/>
+          <a:chOff x="0" y="0"/>
+          <a:chExt cx="0" cy="0"/>
+        </a:xfrm>
+      </p:grpSpPr>
+      <p:sp>
+        <p:nvSpPr>
+          <p:cNvPr id="2" name="Slide Image Placeholder 1"/>
+          <p:cNvSpPr>
+            <a:spLocks noGrp="1" noRot="1" noChangeAspect="1"/>
+          </p:cNvSpPr>
+          <p:nvPr>
+            <p:ph type="sldImg"/>
+          </p:nvPr>
+        </p:nvSpPr>
+        <p:spPr/>
+      </p:sp>
+      <p:sp>
+        <p:nvSpPr>
+          <p:cNvPr id="3" name="Notes Placeholder 2"/>
+          <p:cNvSpPr>
+            <a:spLocks noGrp="1"/>
+          </p:cNvSpPr>
+          <p:nvPr>
+            <p:ph type="body" idx="1"/>
+          </p:nvPr>
+        </p:nvSpPr>
+        <p:spPr/>
+        <p:txBody>
+          <a:bodyPr/>
+          <a:lstStyle/>
+          <a:p>
+            <a:r>
+              <a:rPr lang="en-IN" dirty="0" smtClean="0"/>
+              <a:t>Branch :</a:t>
+            </a:r>
+            <a:r>
+              <a:rPr lang="en-GB" sz="1200" kern="1200" dirty="0" err="1" smtClean="0">
+                <a:solidFill>
+                  <a:schemeClr val="tx1"/>
+                </a:solidFill>
+                <a:latin typeface="+mn-lt"/>
+                <a:ea typeface="+mn-ea"/>
+                <a:cs typeface="+mn-cs"/>
+              </a:rPr>
+              <a:t>MoreOnSelectorsAndCssFeatures</a:t>
+            </a:r>
+            <a:endParaRPr lang="en-IN" dirty="0" smtClean="0"/>
+          </a:p>
+          <a:p>
+            <a:r>
+              <a:rPr lang="en-IN" dirty="0" smtClean="0"/>
+              <a:t>Commit : </a:t>
+            </a:r>
+            <a:r>
+              <a:rPr lang="en-IN" dirty="0" err="1" smtClean="0"/>
+              <a:t>MultipleCssClassesAndCombinedSelector</a:t>
+            </a:r>
+            <a:endParaRPr lang="en-IN" dirty="0" smtClean="0"/>
+          </a:p>
+        </p:txBody>
+      </p:sp>
+      <p:sp>
+        <p:nvSpPr>
+          <p:cNvPr id="4" name="Slide Number Placeholder 3"/>
+          <p:cNvSpPr>
+            <a:spLocks noGrp="1"/>
+          </p:cNvSpPr>
+          <p:nvPr>
+            <p:ph type="sldNum" sz="quarter" idx="10"/>
+          </p:nvPr>
+        </p:nvSpPr>
+        <p:spPr/>
+        <p:txBody>
+          <a:bodyPr/>
+          <a:lstStyle/>
+          <a:p>
+            <a:fld id="{D3B79ED6-4970-4D84-B25C-F520A9D9210C}" type="slidenum">
+              <a:rPr lang="en-GB" smtClean="0"/>
+              <a:t>59</a:t>
+            </a:fld>
+            <a:endParaRPr lang="en-GB"/>
+          </a:p>
+        </p:txBody>
+      </p:sp>
+    </p:spTree>
+    <p:extLst>
+      <p:ext uri="{BB962C8B-B14F-4D97-AF65-F5344CB8AC3E}">
+        <p14:creationId xmlns:p14="http://schemas.microsoft.com/office/powerpoint/2010/main" val="3762582114"/>
+      </p:ext>
+    </p:extLst>
+  </p:cSld>
+  <p:clrMapOvr>
+    <a:masterClrMapping/>
+  </p:clrMapOvr>
+</p:notes>
+</file>
+
+<file path=ppt/notesSlides/notesSlide14.xml><?xml version="1.0" encoding="utf-8"?>
+<p:notes xmlns:a="http://schemas.openxmlformats.org/drawingml/2006/main" xmlns:r="http://schemas.openxmlformats.org/officeDocument/2006/relationships" xmlns:p="http://schemas.openxmlformats.org/presentationml/2006/main">
+  <p:cSld>
+    <p:spTree>
+      <p:nvGrpSpPr>
+        <p:cNvPr id="1" name=""/>
+        <p:cNvGrpSpPr/>
+        <p:nvPr/>
+      </p:nvGrpSpPr>
+      <p:grpSpPr>
+        <a:xfrm>
+          <a:off x="0" y="0"/>
+          <a:ext cx="0" cy="0"/>
+          <a:chOff x="0" y="0"/>
+          <a:chExt cx="0" cy="0"/>
+        </a:xfrm>
+      </p:grpSpPr>
+      <p:sp>
+        <p:nvSpPr>
+          <p:cNvPr id="2" name="Slide Image Placeholder 1"/>
+          <p:cNvSpPr>
+            <a:spLocks noGrp="1" noRot="1" noChangeAspect="1"/>
+          </p:cNvSpPr>
+          <p:nvPr>
+            <p:ph type="sldImg"/>
+          </p:nvPr>
+        </p:nvSpPr>
+        <p:spPr/>
+      </p:sp>
+      <p:sp>
+        <p:nvSpPr>
+          <p:cNvPr id="3" name="Notes Placeholder 2"/>
+          <p:cNvSpPr>
+            <a:spLocks noGrp="1"/>
+          </p:cNvSpPr>
+          <p:nvPr>
+            <p:ph type="body" idx="1"/>
+          </p:nvPr>
+        </p:nvSpPr>
+        <p:spPr/>
+        <p:txBody>
+          <a:bodyPr/>
+          <a:lstStyle/>
+          <a:p>
+            <a:r>
+              <a:rPr lang="en-IN" dirty="0" smtClean="0"/>
+              <a:t>Branch :</a:t>
+            </a:r>
+            <a:r>
+              <a:rPr lang="en-GB" sz="1200" kern="1200" dirty="0" err="1" smtClean="0">
+                <a:solidFill>
+                  <a:schemeClr val="tx1"/>
+                </a:solidFill>
+                <a:latin typeface="+mn-lt"/>
+                <a:ea typeface="+mn-ea"/>
+                <a:cs typeface="+mn-cs"/>
+              </a:rPr>
+              <a:t>MoreOnSelectorsAndCssFeatures</a:t>
+            </a:r>
+            <a:endParaRPr lang="en-IN" dirty="0" smtClean="0"/>
+          </a:p>
+          <a:p>
+            <a:r>
+              <a:rPr lang="en-IN" dirty="0" smtClean="0"/>
+              <a:t>Commit : </a:t>
+            </a:r>
+            <a:r>
+              <a:rPr lang="en-IN" dirty="0" err="1" smtClean="0"/>
+              <a:t>MultipleCssClassesAndCombinedSelector</a:t>
+            </a:r>
+            <a:endParaRPr lang="en-IN" dirty="0" smtClean="0"/>
+          </a:p>
+          <a:p>
+            <a:endParaRPr lang="en-GB" dirty="0"/>
+          </a:p>
+        </p:txBody>
+      </p:sp>
+      <p:sp>
+        <p:nvSpPr>
+          <p:cNvPr id="4" name="Slide Number Placeholder 3"/>
+          <p:cNvSpPr>
+            <a:spLocks noGrp="1"/>
+          </p:cNvSpPr>
+          <p:nvPr>
+            <p:ph type="sldNum" sz="quarter" idx="10"/>
+          </p:nvPr>
+        </p:nvSpPr>
+        <p:spPr/>
+        <p:txBody>
+          <a:bodyPr/>
+          <a:lstStyle/>
+          <a:p>
+            <a:fld id="{D3B79ED6-4970-4D84-B25C-F520A9D9210C}" type="slidenum">
+              <a:rPr lang="en-GB" smtClean="0"/>
+              <a:t>60</a:t>
+            </a:fld>
+            <a:endParaRPr lang="en-GB"/>
+          </a:p>
+        </p:txBody>
+      </p:sp>
+    </p:spTree>
+    <p:extLst>
+      <p:ext uri="{BB962C8B-B14F-4D97-AF65-F5344CB8AC3E}">
+        <p14:creationId xmlns:p14="http://schemas.microsoft.com/office/powerpoint/2010/main" val="3481173409"/>
       </p:ext>
     </p:extLst>
   </p:cSld>
@@ -2758,7 +2983,7 @@
           <a:p>
             <a:fld id="{D4BA8270-C9CF-44CA-BE5A-02C2BDCCEDE4}" type="datetimeFigureOut">
               <a:rPr lang="en-GB" smtClean="0"/>
-              <a:t>11/11/2020</a:t>
+              <a:t>12/11/2020</a:t>
             </a:fld>
             <a:endParaRPr lang="en-GB"/>
           </a:p>
@@ -3009,7 +3234,7 @@
           <a:p>
             <a:fld id="{D4BA8270-C9CF-44CA-BE5A-02C2BDCCEDE4}" type="datetimeFigureOut">
               <a:rPr lang="en-GB" smtClean="0"/>
-              <a:t>11/11/2020</a:t>
+              <a:t>12/11/2020</a:t>
             </a:fld>
             <a:endParaRPr lang="en-GB"/>
           </a:p>
@@ -3323,7 +3548,7 @@
           <a:p>
             <a:fld id="{D4BA8270-C9CF-44CA-BE5A-02C2BDCCEDE4}" type="datetimeFigureOut">
               <a:rPr lang="en-GB" smtClean="0"/>
-              <a:t>11/11/2020</a:t>
+              <a:t>12/11/2020</a:t>
             </a:fld>
             <a:endParaRPr lang="en-GB"/>
           </a:p>
@@ -3664,7 +3889,7 @@
           <a:p>
             <a:fld id="{D4BA8270-C9CF-44CA-BE5A-02C2BDCCEDE4}" type="datetimeFigureOut">
               <a:rPr lang="en-GB" smtClean="0"/>
-              <a:t>11/11/2020</a:t>
+              <a:t>12/11/2020</a:t>
             </a:fld>
             <a:endParaRPr lang="en-GB"/>
           </a:p>
@@ -3978,7 +4203,7 @@
           <a:p>
             <a:fld id="{D4BA8270-C9CF-44CA-BE5A-02C2BDCCEDE4}" type="datetimeFigureOut">
               <a:rPr lang="en-GB" smtClean="0"/>
-              <a:t>11/11/2020</a:t>
+              <a:t>12/11/2020</a:t>
             </a:fld>
             <a:endParaRPr lang="en-GB"/>
           </a:p>
@@ -4371,7 +4596,7 @@
           <a:p>
             <a:fld id="{D4BA8270-C9CF-44CA-BE5A-02C2BDCCEDE4}" type="datetimeFigureOut">
               <a:rPr lang="en-GB" smtClean="0"/>
-              <a:t>11/11/2020</a:t>
+              <a:t>12/11/2020</a:t>
             </a:fld>
             <a:endParaRPr lang="en-GB"/>
           </a:p>
@@ -4541,7 +4766,7 @@
           <a:p>
             <a:fld id="{D4BA8270-C9CF-44CA-BE5A-02C2BDCCEDE4}" type="datetimeFigureOut">
               <a:rPr lang="en-GB" smtClean="0"/>
-              <a:t>11/11/2020</a:t>
+              <a:t>12/11/2020</a:t>
             </a:fld>
             <a:endParaRPr lang="en-GB"/>
           </a:p>
@@ -4721,7 +4946,7 @@
           <a:p>
             <a:fld id="{D4BA8270-C9CF-44CA-BE5A-02C2BDCCEDE4}" type="datetimeFigureOut">
               <a:rPr lang="en-GB" smtClean="0"/>
-              <a:t>11/11/2020</a:t>
+              <a:t>12/11/2020</a:t>
             </a:fld>
             <a:endParaRPr lang="en-GB"/>
           </a:p>
@@ -4897,7 +5122,7 @@
           <a:p>
             <a:fld id="{D4BA8270-C9CF-44CA-BE5A-02C2BDCCEDE4}" type="datetimeFigureOut">
               <a:rPr lang="en-GB" smtClean="0"/>
-              <a:t>11/11/2020</a:t>
+              <a:t>12/11/2020</a:t>
             </a:fld>
             <a:endParaRPr lang="en-GB"/>
           </a:p>
@@ -5144,7 +5369,7 @@
           <a:p>
             <a:fld id="{D4BA8270-C9CF-44CA-BE5A-02C2BDCCEDE4}" type="datetimeFigureOut">
               <a:rPr lang="en-GB" smtClean="0"/>
-              <a:t>11/11/2020</a:t>
+              <a:t>12/11/2020</a:t>
             </a:fld>
             <a:endParaRPr lang="en-GB"/>
           </a:p>
@@ -5376,7 +5601,7 @@
           <a:p>
             <a:fld id="{D4BA8270-C9CF-44CA-BE5A-02C2BDCCEDE4}" type="datetimeFigureOut">
               <a:rPr lang="en-GB" smtClean="0"/>
-              <a:t>11/11/2020</a:t>
+              <a:t>12/11/2020</a:t>
             </a:fld>
             <a:endParaRPr lang="en-GB"/>
           </a:p>
@@ -5750,7 +5975,7 @@
           <a:p>
             <a:fld id="{D4BA8270-C9CF-44CA-BE5A-02C2BDCCEDE4}" type="datetimeFigureOut">
               <a:rPr lang="en-GB" smtClean="0"/>
-              <a:t>11/11/2020</a:t>
+              <a:t>12/11/2020</a:t>
             </a:fld>
             <a:endParaRPr lang="en-GB"/>
           </a:p>
@@ -5873,7 +6098,7 @@
           <a:p>
             <a:fld id="{D4BA8270-C9CF-44CA-BE5A-02C2BDCCEDE4}" type="datetimeFigureOut">
               <a:rPr lang="en-GB" smtClean="0"/>
-              <a:t>11/11/2020</a:t>
+              <a:t>12/11/2020</a:t>
             </a:fld>
             <a:endParaRPr lang="en-GB"/>
           </a:p>
@@ -5968,7 +6193,7 @@
           <a:p>
             <a:fld id="{D4BA8270-C9CF-44CA-BE5A-02C2BDCCEDE4}" type="datetimeFigureOut">
               <a:rPr lang="en-GB" smtClean="0"/>
-              <a:t>11/11/2020</a:t>
+              <a:t>12/11/2020</a:t>
             </a:fld>
             <a:endParaRPr lang="en-GB"/>
           </a:p>
@@ -6223,7 +6448,7 @@
           <a:p>
             <a:fld id="{D4BA8270-C9CF-44CA-BE5A-02C2BDCCEDE4}" type="datetimeFigureOut">
               <a:rPr lang="en-GB" smtClean="0"/>
-              <a:t>11/11/2020</a:t>
+              <a:t>12/11/2020</a:t>
             </a:fld>
             <a:endParaRPr lang="en-GB"/>
           </a:p>
@@ -6486,7 +6711,7 @@
           <a:p>
             <a:fld id="{D4BA8270-C9CF-44CA-BE5A-02C2BDCCEDE4}" type="datetimeFigureOut">
               <a:rPr lang="en-GB" smtClean="0"/>
-              <a:t>11/11/2020</a:t>
+              <a:t>12/11/2020</a:t>
             </a:fld>
             <a:endParaRPr lang="en-GB"/>
           </a:p>
@@ -7229,7 +7454,7 @@
           <a:p>
             <a:fld id="{D4BA8270-C9CF-44CA-BE5A-02C2BDCCEDE4}" type="datetimeFigureOut">
               <a:rPr lang="en-GB" smtClean="0"/>
-              <a:t>11/11/2020</a:t>
+              <a:t>12/11/2020</a:t>
             </a:fld>
             <a:endParaRPr lang="en-GB"/>
           </a:p>
@@ -27358,11 +27583,7 @@
             </a:r>
             <a:r>
               <a:rPr lang="en-IN" dirty="0"/>
-              <a:t>-4 -:</a:t>
-            </a:r>
-            <a:r>
-              <a:rPr lang="en-IN" dirty="0"/>
-              <a:t>More on Selectors &amp; CSS Features</a:t>
+              <a:t>-4 -:More on Selectors &amp; CSS Features</a:t>
             </a:r>
             <a:endParaRPr lang="en-GB" dirty="0"/>
           </a:p>
@@ -27389,7 +27610,7 @@
 </file>
 
 <file path=ppt/slides/slide59.xml><?xml version="1.0" encoding="utf-8"?>
-<p:sld xmlns:a="http://schemas.openxmlformats.org/drawingml/2006/main" xmlns:r="http://schemas.openxmlformats.org/officeDocument/2006/relationships" xmlns:p="http://schemas.openxmlformats.org/presentationml/2006/main" showMasterSp="0">
+<p:sld xmlns:a="http://schemas.openxmlformats.org/drawingml/2006/main" xmlns:r="http://schemas.openxmlformats.org/officeDocument/2006/relationships" xmlns:p="http://schemas.openxmlformats.org/presentationml/2006/main">
   <p:cSld>
     <p:spTree>
       <p:nvGrpSpPr>
@@ -27407,6 +27628,34 @@
       </p:grpSpPr>
       <p:sp>
         <p:nvSpPr>
+          <p:cNvPr id="2" name="Title 1"/>
+          <p:cNvSpPr>
+            <a:spLocks noGrp="1"/>
+          </p:cNvSpPr>
+          <p:nvPr>
+            <p:ph type="title"/>
+          </p:nvPr>
+        </p:nvSpPr>
+        <p:spPr>
+          <a:xfrm>
+            <a:off x="677334" y="131618"/>
+            <a:ext cx="10368202" cy="658091"/>
+          </a:xfrm>
+        </p:spPr>
+        <p:txBody>
+          <a:bodyPr/>
+          <a:lstStyle/>
+          <a:p>
+            <a:r>
+              <a:rPr lang="en-IN" dirty="0"/>
+              <a:t>Using Multiple CSS Classes &amp; Combined Selectors</a:t>
+            </a:r>
+            <a:endParaRPr lang="en-GB" dirty="0"/>
+          </a:p>
+        </p:txBody>
+      </p:sp>
+      <p:sp>
+        <p:nvSpPr>
           <p:cNvPr id="3" name="Content Placeholder 2"/>
           <p:cNvSpPr>
             <a:spLocks noGrp="1"/>
@@ -27417,31 +27666,613 @@
         </p:nvSpPr>
         <p:spPr>
           <a:xfrm>
-            <a:off x="3163860" y="2754147"/>
-            <a:ext cx="8596668" cy="3880773"/>
+            <a:off x="677334" y="903289"/>
+            <a:ext cx="10939702" cy="5954711"/>
           </a:xfrm>
         </p:spPr>
         <p:txBody>
           <a:bodyPr>
-            <a:normAutofit/>
+            <a:normAutofit fontScale="92500" lnSpcReduction="10000"/>
           </a:bodyPr>
           <a:lstStyle/>
+          <a:p>
+            <a:endParaRPr lang="en-IN" dirty="0" smtClean="0"/>
+          </a:p>
+          <a:p>
+            <a:endParaRPr lang="en-IN" dirty="0"/>
+          </a:p>
+          <a:p>
+            <a:endParaRPr lang="en-IN" dirty="0" smtClean="0"/>
+          </a:p>
+          <a:p>
+            <a:endParaRPr lang="en-IN" dirty="0"/>
+          </a:p>
+          <a:p>
+            <a:endParaRPr lang="en-IN" dirty="0" smtClean="0"/>
+          </a:p>
+          <a:p>
+            <a:endParaRPr lang="en-IN" dirty="0"/>
+          </a:p>
+          <a:p>
+            <a:endParaRPr lang="en-IN" dirty="0" smtClean="0"/>
+          </a:p>
+          <a:p>
+            <a:endParaRPr lang="en-IN" dirty="0"/>
+          </a:p>
           <a:p>
             <a:pPr marL="0" indent="0">
               <a:buNone/>
             </a:pPr>
-            <a:r>
-              <a:rPr lang="en-IN" sz="5400" b="1" smtClean="0"/>
-              <a:t>Thanks!!!!!</a:t>
-            </a:r>
-            <a:endParaRPr lang="en-GB" sz="5400" b="1" dirty="0"/>
-          </a:p>
-        </p:txBody>
-      </p:sp>
+            <a:endParaRPr lang="en-IN" dirty="0"/>
+          </a:p>
+          <a:p>
+            <a:pPr marL="0" indent="0">
+              <a:buNone/>
+            </a:pPr>
+            <a:endParaRPr lang="en-IN" dirty="0" smtClean="0"/>
+          </a:p>
+          <a:p>
+            <a:r>
+              <a:rPr lang="en-IN" dirty="0" smtClean="0"/>
+              <a:t>We can use Multiple classes on one element</a:t>
+            </a:r>
+          </a:p>
+          <a:p>
+            <a:r>
+              <a:rPr lang="en-IN" dirty="0" smtClean="0"/>
+              <a:t>So the two rules here will be applied on the element and in case of a conflicting rule normal specificity and ordering rules will hold.</a:t>
+            </a:r>
+          </a:p>
+          <a:p>
+            <a:r>
+              <a:rPr lang="en-IN" dirty="0" smtClean="0"/>
+              <a:t>In the second selector we will notice that there is no space between the tag(a) and class(active) in </a:t>
+            </a:r>
+            <a:r>
+              <a:rPr lang="en-IN" dirty="0" err="1" smtClean="0"/>
+              <a:t>css</a:t>
+            </a:r>
+            <a:r>
+              <a:rPr lang="en-IN" dirty="0" smtClean="0"/>
+              <a:t> they are separated by a dot(.).This is not a </a:t>
+            </a:r>
+            <a:r>
+              <a:rPr lang="en-IN" dirty="0" err="1" smtClean="0"/>
+              <a:t>combinator</a:t>
+            </a:r>
+            <a:r>
+              <a:rPr lang="en-IN" dirty="0" smtClean="0"/>
+              <a:t> it is used to target an anchor tag which has the active </a:t>
+            </a:r>
+            <a:r>
+              <a:rPr lang="en-IN" dirty="0" err="1" smtClean="0"/>
+              <a:t>class.This</a:t>
+            </a:r>
+            <a:r>
+              <a:rPr lang="en-IN" dirty="0" smtClean="0"/>
+              <a:t> concept is not limited to </a:t>
+            </a:r>
+            <a:r>
+              <a:rPr lang="en-IN" dirty="0" err="1" smtClean="0"/>
+              <a:t>tag.class</a:t>
+            </a:r>
+            <a:r>
+              <a:rPr lang="en-IN" dirty="0" smtClean="0"/>
+              <a:t> selector we can combine </a:t>
+            </a:r>
+            <a:r>
+              <a:rPr lang="en-IN" dirty="0" err="1" smtClean="0"/>
+              <a:t>class.class</a:t>
+            </a:r>
+            <a:r>
+              <a:rPr lang="en-IN" dirty="0" smtClean="0"/>
+              <a:t> or </a:t>
+            </a:r>
+            <a:r>
+              <a:rPr lang="en-IN" dirty="0" err="1" smtClean="0"/>
+              <a:t>tag.class.class</a:t>
+            </a:r>
+            <a:r>
+              <a:rPr lang="en-IN" dirty="0"/>
+              <a:t> </a:t>
+            </a:r>
+            <a:r>
+              <a:rPr lang="en-IN" dirty="0" smtClean="0"/>
+              <a:t>, class.id  </a:t>
+            </a:r>
+            <a:r>
+              <a:rPr lang="en-IN" dirty="0" err="1" smtClean="0"/>
+              <a:t>etc</a:t>
+            </a:r>
+            <a:r>
+              <a:rPr lang="en-IN" dirty="0" smtClean="0"/>
+              <a:t> this concept is called selector </a:t>
+            </a:r>
+            <a:r>
+              <a:rPr lang="en-IN" dirty="0" err="1" smtClean="0"/>
+              <a:t>chaining.here</a:t>
+            </a:r>
+            <a:r>
+              <a:rPr lang="en-IN" dirty="0" smtClean="0"/>
+              <a:t> the difference to </a:t>
+            </a:r>
+            <a:r>
+              <a:rPr lang="en-IN" dirty="0" err="1" smtClean="0"/>
+              <a:t>combinator</a:t>
+            </a:r>
+            <a:r>
+              <a:rPr lang="en-IN" dirty="0" smtClean="0"/>
+              <a:t> is that the different parts of the </a:t>
+            </a:r>
+            <a:r>
+              <a:rPr lang="en-IN" dirty="0" err="1" smtClean="0"/>
+              <a:t>selctor</a:t>
+            </a:r>
+            <a:r>
+              <a:rPr lang="en-IN" dirty="0" smtClean="0"/>
+              <a:t> are not nested they are essentially pointing to same element</a:t>
+            </a:r>
+            <a:endParaRPr lang="en-GB" dirty="0"/>
+          </a:p>
+        </p:txBody>
+      </p:sp>
+      <p:sp>
+        <p:nvSpPr>
+          <p:cNvPr id="4" name="Rectangle 3"/>
+          <p:cNvSpPr/>
+          <p:nvPr/>
+        </p:nvSpPr>
+        <p:spPr>
+          <a:xfrm>
+            <a:off x="3700126" y="2034820"/>
+            <a:ext cx="4322618" cy="2015837"/>
+          </a:xfrm>
+          <a:prstGeom prst="rect">
+            <a:avLst/>
+          </a:prstGeom>
+          <a:solidFill>
+            <a:srgbClr val="FFFF81"/>
+          </a:solidFill>
+        </p:spPr>
+        <p:style>
+          <a:lnRef idx="2">
+            <a:schemeClr val="accent3">
+              <a:shade val="50000"/>
+            </a:schemeClr>
+          </a:lnRef>
+          <a:fillRef idx="1">
+            <a:schemeClr val="accent3"/>
+          </a:fillRef>
+          <a:effectRef idx="0">
+            <a:schemeClr val="accent3"/>
+          </a:effectRef>
+          <a:fontRef idx="minor">
+            <a:schemeClr val="lt1"/>
+          </a:fontRef>
+        </p:style>
+        <p:txBody>
+          <a:bodyPr rtlCol="0" anchor="ctr"/>
+          <a:lstStyle/>
+          <a:p>
+            <a:pPr algn="ctr"/>
+            <a:r>
+              <a:rPr lang="en-GB" dirty="0" smtClean="0">
+                <a:solidFill>
+                  <a:schemeClr val="tx1"/>
+                </a:solidFill>
+              </a:rPr>
+              <a:t>&lt;div</a:t>
+            </a:r>
+            <a:r>
+              <a:rPr lang="en-IN" dirty="0" smtClean="0">
+                <a:solidFill>
+                  <a:schemeClr val="tx1"/>
+                </a:solidFill>
+              </a:rPr>
+              <a:t> class=“class1 class2”  &gt;</a:t>
+            </a:r>
+          </a:p>
+          <a:p>
+            <a:pPr algn="ctr"/>
+            <a:endParaRPr lang="en-IN" dirty="0">
+              <a:solidFill>
+                <a:schemeClr val="tx1"/>
+              </a:solidFill>
+            </a:endParaRPr>
+          </a:p>
+          <a:p>
+            <a:pPr algn="ctr"/>
+            <a:r>
+              <a:rPr lang="en-IN" dirty="0" smtClean="0">
+                <a:solidFill>
+                  <a:schemeClr val="tx1"/>
+                </a:solidFill>
+              </a:rPr>
+              <a:t>&lt;a </a:t>
+            </a:r>
+            <a:r>
+              <a:rPr lang="en-IN" dirty="0" err="1" smtClean="0">
+                <a:solidFill>
+                  <a:schemeClr val="tx1"/>
+                </a:solidFill>
+              </a:rPr>
+              <a:t>href</a:t>
+            </a:r>
+            <a:r>
+              <a:rPr lang="en-IN" dirty="0" smtClean="0">
+                <a:solidFill>
+                  <a:schemeClr val="tx1"/>
+                </a:solidFill>
+              </a:rPr>
+              <a:t>=“#” class=“active”  &gt;</a:t>
+            </a:r>
+            <a:endParaRPr lang="en-GB" dirty="0">
+              <a:solidFill>
+                <a:schemeClr val="tx1"/>
+              </a:solidFill>
+            </a:endParaRPr>
+          </a:p>
+        </p:txBody>
+      </p:sp>
+      <p:sp>
+        <p:nvSpPr>
+          <p:cNvPr id="5" name="Rectangle 4"/>
+          <p:cNvSpPr/>
+          <p:nvPr/>
+        </p:nvSpPr>
+        <p:spPr>
+          <a:xfrm>
+            <a:off x="5517574" y="2586617"/>
+            <a:ext cx="1579418" cy="374072"/>
+          </a:xfrm>
+          <a:prstGeom prst="rect">
+            <a:avLst/>
+          </a:prstGeom>
+          <a:solidFill>
+            <a:schemeClr val="accent1">
+              <a:alpha val="0"/>
+            </a:schemeClr>
+          </a:solidFill>
+          <a:ln w="60325"/>
+        </p:spPr>
+        <p:style>
+          <a:lnRef idx="2">
+            <a:schemeClr val="accent1">
+              <a:shade val="50000"/>
+            </a:schemeClr>
+          </a:lnRef>
+          <a:fillRef idx="1">
+            <a:schemeClr val="accent1"/>
+          </a:fillRef>
+          <a:effectRef idx="0">
+            <a:schemeClr val="accent1"/>
+          </a:effectRef>
+          <a:fontRef idx="minor">
+            <a:schemeClr val="lt1"/>
+          </a:fontRef>
+        </p:style>
+        <p:txBody>
+          <a:bodyPr rtlCol="0" anchor="ctr"/>
+          <a:lstStyle/>
+          <a:p>
+            <a:pPr algn="ctr"/>
+            <a:endParaRPr lang="en-GB"/>
+          </a:p>
+        </p:txBody>
+      </p:sp>
+      <p:cxnSp>
+        <p:nvCxnSpPr>
+          <p:cNvPr id="7" name="Straight Connector 6"/>
+          <p:cNvCxnSpPr>
+            <a:stCxn id="5" idx="0"/>
+          </p:cNvCxnSpPr>
+          <p:nvPr/>
+        </p:nvCxnSpPr>
+        <p:spPr>
+          <a:xfrm flipV="1">
+            <a:off x="6307283" y="1713780"/>
+            <a:ext cx="0" cy="872837"/>
+          </a:xfrm>
+          <a:prstGeom prst="line">
+            <a:avLst/>
+          </a:prstGeom>
+          <a:ln w="25400"/>
+        </p:spPr>
+        <p:style>
+          <a:lnRef idx="1">
+            <a:schemeClr val="dk1"/>
+          </a:lnRef>
+          <a:fillRef idx="0">
+            <a:schemeClr val="dk1"/>
+          </a:fillRef>
+          <a:effectRef idx="0">
+            <a:schemeClr val="dk1"/>
+          </a:effectRef>
+          <a:fontRef idx="minor">
+            <a:schemeClr val="tx1"/>
+          </a:fontRef>
+        </p:style>
+      </p:cxnSp>
+      <p:cxnSp>
+        <p:nvCxnSpPr>
+          <p:cNvPr id="9" name="Straight Connector 8"/>
+          <p:cNvCxnSpPr/>
+          <p:nvPr/>
+        </p:nvCxnSpPr>
+        <p:spPr>
+          <a:xfrm flipH="1">
+            <a:off x="3054927" y="1719695"/>
+            <a:ext cx="3252356" cy="10652"/>
+          </a:xfrm>
+          <a:prstGeom prst="line">
+            <a:avLst/>
+          </a:prstGeom>
+          <a:ln w="25400"/>
+        </p:spPr>
+        <p:style>
+          <a:lnRef idx="1">
+            <a:schemeClr val="dk1"/>
+          </a:lnRef>
+          <a:fillRef idx="0">
+            <a:schemeClr val="dk1"/>
+          </a:fillRef>
+          <a:effectRef idx="0">
+            <a:schemeClr val="dk1"/>
+          </a:effectRef>
+          <a:fontRef idx="minor">
+            <a:schemeClr val="tx1"/>
+          </a:fontRef>
+        </p:style>
+      </p:cxnSp>
+      <p:sp>
+        <p:nvSpPr>
+          <p:cNvPr id="11" name="Rectangle 10"/>
+          <p:cNvSpPr/>
+          <p:nvPr/>
+        </p:nvSpPr>
+        <p:spPr>
+          <a:xfrm>
+            <a:off x="904009" y="1246190"/>
+            <a:ext cx="2150918" cy="1527463"/>
+          </a:xfrm>
+          <a:prstGeom prst="rect">
+            <a:avLst/>
+          </a:prstGeom>
+          <a:solidFill>
+            <a:srgbClr val="D1B3E7"/>
+          </a:solidFill>
+        </p:spPr>
+        <p:style>
+          <a:lnRef idx="2">
+            <a:schemeClr val="accent1">
+              <a:shade val="50000"/>
+            </a:schemeClr>
+          </a:lnRef>
+          <a:fillRef idx="1">
+            <a:schemeClr val="accent1"/>
+          </a:fillRef>
+          <a:effectRef idx="0">
+            <a:schemeClr val="accent1"/>
+          </a:effectRef>
+          <a:fontRef idx="minor">
+            <a:schemeClr val="lt1"/>
+          </a:fontRef>
+        </p:style>
+        <p:txBody>
+          <a:bodyPr rtlCol="0" anchor="ctr"/>
+          <a:lstStyle/>
+          <a:p>
+            <a:pPr algn="ctr"/>
+            <a:r>
+              <a:rPr lang="en-IN" dirty="0" smtClean="0">
+                <a:solidFill>
+                  <a:schemeClr val="tx1"/>
+                </a:solidFill>
+              </a:rPr>
+              <a:t>.class1 {…}</a:t>
+            </a:r>
+          </a:p>
+          <a:p>
+            <a:pPr algn="ctr"/>
+            <a:endParaRPr lang="en-IN" dirty="0" smtClean="0">
+              <a:solidFill>
+                <a:schemeClr val="tx1"/>
+              </a:solidFill>
+            </a:endParaRPr>
+          </a:p>
+          <a:p>
+            <a:pPr algn="ctr"/>
+            <a:r>
+              <a:rPr lang="en-IN" dirty="0" smtClean="0">
+                <a:solidFill>
+                  <a:schemeClr val="tx1"/>
+                </a:solidFill>
+              </a:rPr>
+              <a:t>.class2 {…}</a:t>
+            </a:r>
+            <a:endParaRPr lang="en-GB" dirty="0">
+              <a:solidFill>
+                <a:schemeClr val="tx1"/>
+              </a:solidFill>
+            </a:endParaRPr>
+          </a:p>
+        </p:txBody>
+      </p:sp>
+      <p:sp>
+        <p:nvSpPr>
+          <p:cNvPr id="13" name="Rectangle 12"/>
+          <p:cNvSpPr/>
+          <p:nvPr/>
+        </p:nvSpPr>
+        <p:spPr>
+          <a:xfrm>
+            <a:off x="5607628" y="3115832"/>
+            <a:ext cx="1579418" cy="374072"/>
+          </a:xfrm>
+          <a:prstGeom prst="rect">
+            <a:avLst/>
+          </a:prstGeom>
+          <a:solidFill>
+            <a:schemeClr val="accent1">
+              <a:alpha val="0"/>
+            </a:schemeClr>
+          </a:solidFill>
+          <a:ln w="60325"/>
+        </p:spPr>
+        <p:style>
+          <a:lnRef idx="2">
+            <a:schemeClr val="accent1">
+              <a:shade val="50000"/>
+            </a:schemeClr>
+          </a:lnRef>
+          <a:fillRef idx="1">
+            <a:schemeClr val="accent1"/>
+          </a:fillRef>
+          <a:effectRef idx="0">
+            <a:schemeClr val="accent1"/>
+          </a:effectRef>
+          <a:fontRef idx="minor">
+            <a:schemeClr val="lt1"/>
+          </a:fontRef>
+        </p:style>
+        <p:txBody>
+          <a:bodyPr rtlCol="0" anchor="ctr"/>
+          <a:lstStyle/>
+          <a:p>
+            <a:pPr algn="ctr"/>
+            <a:endParaRPr lang="en-GB"/>
+          </a:p>
+        </p:txBody>
+      </p:sp>
+      <p:sp>
+        <p:nvSpPr>
+          <p:cNvPr id="15" name="Rectangle 14"/>
+          <p:cNvSpPr/>
+          <p:nvPr/>
+        </p:nvSpPr>
+        <p:spPr>
+          <a:xfrm>
+            <a:off x="8808508" y="3116912"/>
+            <a:ext cx="2150918" cy="1527463"/>
+          </a:xfrm>
+          <a:prstGeom prst="rect">
+            <a:avLst/>
+          </a:prstGeom>
+          <a:solidFill>
+            <a:srgbClr val="D1B3E7"/>
+          </a:solidFill>
+        </p:spPr>
+        <p:style>
+          <a:lnRef idx="2">
+            <a:schemeClr val="accent1">
+              <a:shade val="50000"/>
+            </a:schemeClr>
+          </a:lnRef>
+          <a:fillRef idx="1">
+            <a:schemeClr val="accent1"/>
+          </a:fillRef>
+          <a:effectRef idx="0">
+            <a:schemeClr val="accent1"/>
+          </a:effectRef>
+          <a:fontRef idx="minor">
+            <a:schemeClr val="lt1"/>
+          </a:fontRef>
+        </p:style>
+        <p:txBody>
+          <a:bodyPr rtlCol="0" anchor="ctr"/>
+          <a:lstStyle/>
+          <a:p>
+            <a:pPr algn="ctr"/>
+            <a:r>
+              <a:rPr lang="en-IN" dirty="0" err="1" smtClean="0">
+                <a:solidFill>
+                  <a:schemeClr val="tx1"/>
+                </a:solidFill>
+              </a:rPr>
+              <a:t>a.active</a:t>
+            </a:r>
+            <a:r>
+              <a:rPr lang="en-IN" dirty="0" smtClean="0">
+                <a:solidFill>
+                  <a:schemeClr val="tx1"/>
+                </a:solidFill>
+              </a:rPr>
+              <a:t> {…}</a:t>
+            </a:r>
+            <a:endParaRPr lang="en-GB" dirty="0">
+              <a:solidFill>
+                <a:schemeClr val="tx1"/>
+              </a:solidFill>
+            </a:endParaRPr>
+          </a:p>
+        </p:txBody>
+      </p:sp>
+      <p:cxnSp>
+        <p:nvCxnSpPr>
+          <p:cNvPr id="16" name="Straight Connector 15"/>
+          <p:cNvCxnSpPr/>
+          <p:nvPr/>
+        </p:nvCxnSpPr>
+        <p:spPr>
+          <a:xfrm flipV="1">
+            <a:off x="6490855" y="3489904"/>
+            <a:ext cx="0" cy="872837"/>
+          </a:xfrm>
+          <a:prstGeom prst="line">
+            <a:avLst/>
+          </a:prstGeom>
+          <a:ln w="25400"/>
+        </p:spPr>
+        <p:style>
+          <a:lnRef idx="1">
+            <a:schemeClr val="dk1"/>
+          </a:lnRef>
+          <a:fillRef idx="0">
+            <a:schemeClr val="dk1"/>
+          </a:fillRef>
+          <a:effectRef idx="0">
+            <a:schemeClr val="dk1"/>
+          </a:effectRef>
+          <a:fontRef idx="minor">
+            <a:schemeClr val="tx1"/>
+          </a:fontRef>
+        </p:style>
+      </p:cxnSp>
+      <p:cxnSp>
+        <p:nvCxnSpPr>
+          <p:cNvPr id="17" name="Straight Connector 16"/>
+          <p:cNvCxnSpPr/>
+          <p:nvPr/>
+        </p:nvCxnSpPr>
+        <p:spPr>
+          <a:xfrm flipH="1">
+            <a:off x="6490856" y="4355130"/>
+            <a:ext cx="2253575" cy="16567"/>
+          </a:xfrm>
+          <a:prstGeom prst="line">
+            <a:avLst/>
+          </a:prstGeom>
+          <a:ln w="25400"/>
+        </p:spPr>
+        <p:style>
+          <a:lnRef idx="1">
+            <a:schemeClr val="dk1"/>
+          </a:lnRef>
+          <a:fillRef idx="0">
+            <a:schemeClr val="dk1"/>
+          </a:fillRef>
+          <a:effectRef idx="0">
+            <a:schemeClr val="dk1"/>
+          </a:effectRef>
+          <a:fontRef idx="minor">
+            <a:schemeClr val="tx1"/>
+          </a:fontRef>
+        </p:style>
+      </p:cxnSp>
     </p:spTree>
     <p:extLst>
       <p:ext uri="{BB962C8B-B14F-4D97-AF65-F5344CB8AC3E}">
-        <p14:creationId xmlns:p14="http://schemas.microsoft.com/office/powerpoint/2010/main" val="3977684842"/>
+        <p14:creationId xmlns:p14="http://schemas.microsoft.com/office/powerpoint/2010/main" val="3734155294"/>
       </p:ext>
     </p:extLst>
   </p:cSld>
@@ -27451,9 +28282,897 @@
   <p:timing>
     <p:tnLst>
       <p:par>
-        <p:cTn id="1" dur="indefinite" restart="never" nodeType="tmRoot"/>
+        <p:cTn id="1" dur="indefinite" restart="never" nodeType="tmRoot">
+          <p:childTnLst>
+            <p:seq concurrent="1" nextAc="seek">
+              <p:cTn id="2" dur="indefinite" nodeType="mainSeq">
+                <p:childTnLst>
+                  <p:par>
+                    <p:cTn id="3" fill="hold">
+                      <p:stCondLst>
+                        <p:cond delay="indefinite"/>
+                      </p:stCondLst>
+                      <p:childTnLst>
+                        <p:par>
+                          <p:cTn id="4" fill="hold">
+                            <p:stCondLst>
+                              <p:cond delay="0"/>
+                            </p:stCondLst>
+                            <p:childTnLst>
+                              <p:par>
+                                <p:cTn id="5" presetID="2" presetClass="entr" presetSubtype="4" fill="hold" grpId="0" nodeType="clickEffect">
+                                  <p:stCondLst>
+                                    <p:cond delay="0"/>
+                                  </p:stCondLst>
+                                  <p:childTnLst>
+                                    <p:set>
+                                      <p:cBhvr>
+                                        <p:cTn id="6" dur="1" fill="hold">
+                                          <p:stCondLst>
+                                            <p:cond delay="0"/>
+                                          </p:stCondLst>
+                                        </p:cTn>
+                                        <p:tgtEl>
+                                          <p:spTgt spid="4"/>
+                                        </p:tgtEl>
+                                        <p:attrNameLst>
+                                          <p:attrName>style.visibility</p:attrName>
+                                        </p:attrNameLst>
+                                      </p:cBhvr>
+                                      <p:to>
+                                        <p:strVal val="visible"/>
+                                      </p:to>
+                                    </p:set>
+                                    <p:anim calcmode="lin" valueType="num">
+                                      <p:cBhvr additive="base">
+                                        <p:cTn id="7" dur="500" fill="hold"/>
+                                        <p:tgtEl>
+                                          <p:spTgt spid="4"/>
+                                        </p:tgtEl>
+                                        <p:attrNameLst>
+                                          <p:attrName>ppt_x</p:attrName>
+                                        </p:attrNameLst>
+                                      </p:cBhvr>
+                                      <p:tavLst>
+                                        <p:tav tm="0">
+                                          <p:val>
+                                            <p:strVal val="#ppt_x"/>
+                                          </p:val>
+                                        </p:tav>
+                                        <p:tav tm="100000">
+                                          <p:val>
+                                            <p:strVal val="#ppt_x"/>
+                                          </p:val>
+                                        </p:tav>
+                                      </p:tavLst>
+                                    </p:anim>
+                                    <p:anim calcmode="lin" valueType="num">
+                                      <p:cBhvr additive="base">
+                                        <p:cTn id="8" dur="500" fill="hold"/>
+                                        <p:tgtEl>
+                                          <p:spTgt spid="4"/>
+                                        </p:tgtEl>
+                                        <p:attrNameLst>
+                                          <p:attrName>ppt_y</p:attrName>
+                                        </p:attrNameLst>
+                                      </p:cBhvr>
+                                      <p:tavLst>
+                                        <p:tav tm="0">
+                                          <p:val>
+                                            <p:strVal val="1+#ppt_h/2"/>
+                                          </p:val>
+                                        </p:tav>
+                                        <p:tav tm="100000">
+                                          <p:val>
+                                            <p:strVal val="#ppt_y"/>
+                                          </p:val>
+                                        </p:tav>
+                                      </p:tavLst>
+                                    </p:anim>
+                                  </p:childTnLst>
+                                </p:cTn>
+                              </p:par>
+                              <p:par>
+                                <p:cTn id="9" presetID="2" presetClass="entr" presetSubtype="4" fill="hold" nodeType="withEffect">
+                                  <p:stCondLst>
+                                    <p:cond delay="0"/>
+                                  </p:stCondLst>
+                                  <p:childTnLst>
+                                    <p:set>
+                                      <p:cBhvr>
+                                        <p:cTn id="10" dur="1" fill="hold">
+                                          <p:stCondLst>
+                                            <p:cond delay="0"/>
+                                          </p:stCondLst>
+                                        </p:cTn>
+                                        <p:tgtEl>
+                                          <p:spTgt spid="3">
+                                            <p:txEl>
+                                              <p:pRg st="10" end="10"/>
+                                            </p:txEl>
+                                          </p:spTgt>
+                                        </p:tgtEl>
+                                        <p:attrNameLst>
+                                          <p:attrName>style.visibility</p:attrName>
+                                        </p:attrNameLst>
+                                      </p:cBhvr>
+                                      <p:to>
+                                        <p:strVal val="visible"/>
+                                      </p:to>
+                                    </p:set>
+                                    <p:anim calcmode="lin" valueType="num">
+                                      <p:cBhvr additive="base">
+                                        <p:cTn id="11" dur="500" fill="hold"/>
+                                        <p:tgtEl>
+                                          <p:spTgt spid="3">
+                                            <p:txEl>
+                                              <p:pRg st="10" end="10"/>
+                                            </p:txEl>
+                                          </p:spTgt>
+                                        </p:tgtEl>
+                                        <p:attrNameLst>
+                                          <p:attrName>ppt_x</p:attrName>
+                                        </p:attrNameLst>
+                                      </p:cBhvr>
+                                      <p:tavLst>
+                                        <p:tav tm="0">
+                                          <p:val>
+                                            <p:strVal val="#ppt_x"/>
+                                          </p:val>
+                                        </p:tav>
+                                        <p:tav tm="100000">
+                                          <p:val>
+                                            <p:strVal val="#ppt_x"/>
+                                          </p:val>
+                                        </p:tav>
+                                      </p:tavLst>
+                                    </p:anim>
+                                    <p:anim calcmode="lin" valueType="num">
+                                      <p:cBhvr additive="base">
+                                        <p:cTn id="12" dur="500" fill="hold"/>
+                                        <p:tgtEl>
+                                          <p:spTgt spid="3">
+                                            <p:txEl>
+                                              <p:pRg st="10" end="10"/>
+                                            </p:txEl>
+                                          </p:spTgt>
+                                        </p:tgtEl>
+                                        <p:attrNameLst>
+                                          <p:attrName>ppt_y</p:attrName>
+                                        </p:attrNameLst>
+                                      </p:cBhvr>
+                                      <p:tavLst>
+                                        <p:tav tm="0">
+                                          <p:val>
+                                            <p:strVal val="1+#ppt_h/2"/>
+                                          </p:val>
+                                        </p:tav>
+                                        <p:tav tm="100000">
+                                          <p:val>
+                                            <p:strVal val="#ppt_y"/>
+                                          </p:val>
+                                        </p:tav>
+                                      </p:tavLst>
+                                    </p:anim>
+                                  </p:childTnLst>
+                                </p:cTn>
+                              </p:par>
+                            </p:childTnLst>
+                          </p:cTn>
+                        </p:par>
+                      </p:childTnLst>
+                    </p:cTn>
+                  </p:par>
+                  <p:par>
+                    <p:cTn id="13" fill="hold">
+                      <p:stCondLst>
+                        <p:cond delay="indefinite"/>
+                      </p:stCondLst>
+                      <p:childTnLst>
+                        <p:par>
+                          <p:cTn id="14" fill="hold">
+                            <p:stCondLst>
+                              <p:cond delay="0"/>
+                            </p:stCondLst>
+                            <p:childTnLst>
+                              <p:par>
+                                <p:cTn id="15" presetID="2" presetClass="entr" presetSubtype="4" fill="hold" grpId="0" nodeType="clickEffect">
+                                  <p:stCondLst>
+                                    <p:cond delay="0"/>
+                                  </p:stCondLst>
+                                  <p:childTnLst>
+                                    <p:set>
+                                      <p:cBhvr>
+                                        <p:cTn id="16" dur="1" fill="hold">
+                                          <p:stCondLst>
+                                            <p:cond delay="0"/>
+                                          </p:stCondLst>
+                                        </p:cTn>
+                                        <p:tgtEl>
+                                          <p:spTgt spid="5"/>
+                                        </p:tgtEl>
+                                        <p:attrNameLst>
+                                          <p:attrName>style.visibility</p:attrName>
+                                        </p:attrNameLst>
+                                      </p:cBhvr>
+                                      <p:to>
+                                        <p:strVal val="visible"/>
+                                      </p:to>
+                                    </p:set>
+                                    <p:anim calcmode="lin" valueType="num">
+                                      <p:cBhvr additive="base">
+                                        <p:cTn id="17" dur="500" fill="hold"/>
+                                        <p:tgtEl>
+                                          <p:spTgt spid="5"/>
+                                        </p:tgtEl>
+                                        <p:attrNameLst>
+                                          <p:attrName>ppt_x</p:attrName>
+                                        </p:attrNameLst>
+                                      </p:cBhvr>
+                                      <p:tavLst>
+                                        <p:tav tm="0">
+                                          <p:val>
+                                            <p:strVal val="#ppt_x"/>
+                                          </p:val>
+                                        </p:tav>
+                                        <p:tav tm="100000">
+                                          <p:val>
+                                            <p:strVal val="#ppt_x"/>
+                                          </p:val>
+                                        </p:tav>
+                                      </p:tavLst>
+                                    </p:anim>
+                                    <p:anim calcmode="lin" valueType="num">
+                                      <p:cBhvr additive="base">
+                                        <p:cTn id="18" dur="500" fill="hold"/>
+                                        <p:tgtEl>
+                                          <p:spTgt spid="5"/>
+                                        </p:tgtEl>
+                                        <p:attrNameLst>
+                                          <p:attrName>ppt_y</p:attrName>
+                                        </p:attrNameLst>
+                                      </p:cBhvr>
+                                      <p:tavLst>
+                                        <p:tav tm="0">
+                                          <p:val>
+                                            <p:strVal val="1+#ppt_h/2"/>
+                                          </p:val>
+                                        </p:tav>
+                                        <p:tav tm="100000">
+                                          <p:val>
+                                            <p:strVal val="#ppt_y"/>
+                                          </p:val>
+                                        </p:tav>
+                                      </p:tavLst>
+                                    </p:anim>
+                                  </p:childTnLst>
+                                </p:cTn>
+                              </p:par>
+                              <p:par>
+                                <p:cTn id="19" presetID="2" presetClass="entr" presetSubtype="4" fill="hold" nodeType="withEffect">
+                                  <p:stCondLst>
+                                    <p:cond delay="0"/>
+                                  </p:stCondLst>
+                                  <p:childTnLst>
+                                    <p:set>
+                                      <p:cBhvr>
+                                        <p:cTn id="20" dur="1" fill="hold">
+                                          <p:stCondLst>
+                                            <p:cond delay="0"/>
+                                          </p:stCondLst>
+                                        </p:cTn>
+                                        <p:tgtEl>
+                                          <p:spTgt spid="7"/>
+                                        </p:tgtEl>
+                                        <p:attrNameLst>
+                                          <p:attrName>style.visibility</p:attrName>
+                                        </p:attrNameLst>
+                                      </p:cBhvr>
+                                      <p:to>
+                                        <p:strVal val="visible"/>
+                                      </p:to>
+                                    </p:set>
+                                    <p:anim calcmode="lin" valueType="num">
+                                      <p:cBhvr additive="base">
+                                        <p:cTn id="21" dur="500" fill="hold"/>
+                                        <p:tgtEl>
+                                          <p:spTgt spid="7"/>
+                                        </p:tgtEl>
+                                        <p:attrNameLst>
+                                          <p:attrName>ppt_x</p:attrName>
+                                        </p:attrNameLst>
+                                      </p:cBhvr>
+                                      <p:tavLst>
+                                        <p:tav tm="0">
+                                          <p:val>
+                                            <p:strVal val="#ppt_x"/>
+                                          </p:val>
+                                        </p:tav>
+                                        <p:tav tm="100000">
+                                          <p:val>
+                                            <p:strVal val="#ppt_x"/>
+                                          </p:val>
+                                        </p:tav>
+                                      </p:tavLst>
+                                    </p:anim>
+                                    <p:anim calcmode="lin" valueType="num">
+                                      <p:cBhvr additive="base">
+                                        <p:cTn id="22" dur="500" fill="hold"/>
+                                        <p:tgtEl>
+                                          <p:spTgt spid="7"/>
+                                        </p:tgtEl>
+                                        <p:attrNameLst>
+                                          <p:attrName>ppt_y</p:attrName>
+                                        </p:attrNameLst>
+                                      </p:cBhvr>
+                                      <p:tavLst>
+                                        <p:tav tm="0">
+                                          <p:val>
+                                            <p:strVal val="1+#ppt_h/2"/>
+                                          </p:val>
+                                        </p:tav>
+                                        <p:tav tm="100000">
+                                          <p:val>
+                                            <p:strVal val="#ppt_y"/>
+                                          </p:val>
+                                        </p:tav>
+                                      </p:tavLst>
+                                    </p:anim>
+                                  </p:childTnLst>
+                                </p:cTn>
+                              </p:par>
+                              <p:par>
+                                <p:cTn id="23" presetID="2" presetClass="entr" presetSubtype="4" fill="hold" nodeType="withEffect">
+                                  <p:stCondLst>
+                                    <p:cond delay="0"/>
+                                  </p:stCondLst>
+                                  <p:childTnLst>
+                                    <p:set>
+                                      <p:cBhvr>
+                                        <p:cTn id="24" dur="1" fill="hold">
+                                          <p:stCondLst>
+                                            <p:cond delay="0"/>
+                                          </p:stCondLst>
+                                        </p:cTn>
+                                        <p:tgtEl>
+                                          <p:spTgt spid="9"/>
+                                        </p:tgtEl>
+                                        <p:attrNameLst>
+                                          <p:attrName>style.visibility</p:attrName>
+                                        </p:attrNameLst>
+                                      </p:cBhvr>
+                                      <p:to>
+                                        <p:strVal val="visible"/>
+                                      </p:to>
+                                    </p:set>
+                                    <p:anim calcmode="lin" valueType="num">
+                                      <p:cBhvr additive="base">
+                                        <p:cTn id="25" dur="500" fill="hold"/>
+                                        <p:tgtEl>
+                                          <p:spTgt spid="9"/>
+                                        </p:tgtEl>
+                                        <p:attrNameLst>
+                                          <p:attrName>ppt_x</p:attrName>
+                                        </p:attrNameLst>
+                                      </p:cBhvr>
+                                      <p:tavLst>
+                                        <p:tav tm="0">
+                                          <p:val>
+                                            <p:strVal val="#ppt_x"/>
+                                          </p:val>
+                                        </p:tav>
+                                        <p:tav tm="100000">
+                                          <p:val>
+                                            <p:strVal val="#ppt_x"/>
+                                          </p:val>
+                                        </p:tav>
+                                      </p:tavLst>
+                                    </p:anim>
+                                    <p:anim calcmode="lin" valueType="num">
+                                      <p:cBhvr additive="base">
+                                        <p:cTn id="26" dur="500" fill="hold"/>
+                                        <p:tgtEl>
+                                          <p:spTgt spid="9"/>
+                                        </p:tgtEl>
+                                        <p:attrNameLst>
+                                          <p:attrName>ppt_y</p:attrName>
+                                        </p:attrNameLst>
+                                      </p:cBhvr>
+                                      <p:tavLst>
+                                        <p:tav tm="0">
+                                          <p:val>
+                                            <p:strVal val="1+#ppt_h/2"/>
+                                          </p:val>
+                                        </p:tav>
+                                        <p:tav tm="100000">
+                                          <p:val>
+                                            <p:strVal val="#ppt_y"/>
+                                          </p:val>
+                                        </p:tav>
+                                      </p:tavLst>
+                                    </p:anim>
+                                  </p:childTnLst>
+                                </p:cTn>
+                              </p:par>
+                              <p:par>
+                                <p:cTn id="27" presetID="2" presetClass="entr" presetSubtype="4" fill="hold" grpId="0" nodeType="withEffect">
+                                  <p:stCondLst>
+                                    <p:cond delay="0"/>
+                                  </p:stCondLst>
+                                  <p:childTnLst>
+                                    <p:set>
+                                      <p:cBhvr>
+                                        <p:cTn id="28" dur="1" fill="hold">
+                                          <p:stCondLst>
+                                            <p:cond delay="0"/>
+                                          </p:stCondLst>
+                                        </p:cTn>
+                                        <p:tgtEl>
+                                          <p:spTgt spid="11"/>
+                                        </p:tgtEl>
+                                        <p:attrNameLst>
+                                          <p:attrName>style.visibility</p:attrName>
+                                        </p:attrNameLst>
+                                      </p:cBhvr>
+                                      <p:to>
+                                        <p:strVal val="visible"/>
+                                      </p:to>
+                                    </p:set>
+                                    <p:anim calcmode="lin" valueType="num">
+                                      <p:cBhvr additive="base">
+                                        <p:cTn id="29" dur="500" fill="hold"/>
+                                        <p:tgtEl>
+                                          <p:spTgt spid="11"/>
+                                        </p:tgtEl>
+                                        <p:attrNameLst>
+                                          <p:attrName>ppt_x</p:attrName>
+                                        </p:attrNameLst>
+                                      </p:cBhvr>
+                                      <p:tavLst>
+                                        <p:tav tm="0">
+                                          <p:val>
+                                            <p:strVal val="#ppt_x"/>
+                                          </p:val>
+                                        </p:tav>
+                                        <p:tav tm="100000">
+                                          <p:val>
+                                            <p:strVal val="#ppt_x"/>
+                                          </p:val>
+                                        </p:tav>
+                                      </p:tavLst>
+                                    </p:anim>
+                                    <p:anim calcmode="lin" valueType="num">
+                                      <p:cBhvr additive="base">
+                                        <p:cTn id="30" dur="500" fill="hold"/>
+                                        <p:tgtEl>
+                                          <p:spTgt spid="11"/>
+                                        </p:tgtEl>
+                                        <p:attrNameLst>
+                                          <p:attrName>ppt_y</p:attrName>
+                                        </p:attrNameLst>
+                                      </p:cBhvr>
+                                      <p:tavLst>
+                                        <p:tav tm="0">
+                                          <p:val>
+                                            <p:strVal val="1+#ppt_h/2"/>
+                                          </p:val>
+                                        </p:tav>
+                                        <p:tav tm="100000">
+                                          <p:val>
+                                            <p:strVal val="#ppt_y"/>
+                                          </p:val>
+                                        </p:tav>
+                                      </p:tavLst>
+                                    </p:anim>
+                                  </p:childTnLst>
+                                </p:cTn>
+                              </p:par>
+                              <p:par>
+                                <p:cTn id="31" presetID="1" presetClass="entr" presetSubtype="0" fill="hold" nodeType="withEffect">
+                                  <p:stCondLst>
+                                    <p:cond delay="0"/>
+                                  </p:stCondLst>
+                                  <p:childTnLst>
+                                    <p:set>
+                                      <p:cBhvr>
+                                        <p:cTn id="32" dur="1" fill="hold">
+                                          <p:stCondLst>
+                                            <p:cond delay="0"/>
+                                          </p:stCondLst>
+                                        </p:cTn>
+                                        <p:tgtEl>
+                                          <p:spTgt spid="3">
+                                            <p:txEl>
+                                              <p:pRg st="11" end="11"/>
+                                            </p:txEl>
+                                          </p:spTgt>
+                                        </p:tgtEl>
+                                        <p:attrNameLst>
+                                          <p:attrName>style.visibility</p:attrName>
+                                        </p:attrNameLst>
+                                      </p:cBhvr>
+                                      <p:to>
+                                        <p:strVal val="visible"/>
+                                      </p:to>
+                                    </p:set>
+                                  </p:childTnLst>
+                                </p:cTn>
+                              </p:par>
+                            </p:childTnLst>
+                          </p:cTn>
+                        </p:par>
+                      </p:childTnLst>
+                    </p:cTn>
+                  </p:par>
+                  <p:par>
+                    <p:cTn id="33" fill="hold">
+                      <p:stCondLst>
+                        <p:cond delay="indefinite"/>
+                      </p:stCondLst>
+                      <p:childTnLst>
+                        <p:par>
+                          <p:cTn id="34" fill="hold">
+                            <p:stCondLst>
+                              <p:cond delay="0"/>
+                            </p:stCondLst>
+                            <p:childTnLst>
+                              <p:par>
+                                <p:cTn id="35" presetID="2" presetClass="entr" presetSubtype="4" fill="hold" grpId="0" nodeType="clickEffect">
+                                  <p:stCondLst>
+                                    <p:cond delay="0"/>
+                                  </p:stCondLst>
+                                  <p:childTnLst>
+                                    <p:set>
+                                      <p:cBhvr>
+                                        <p:cTn id="36" dur="1" fill="hold">
+                                          <p:stCondLst>
+                                            <p:cond delay="0"/>
+                                          </p:stCondLst>
+                                        </p:cTn>
+                                        <p:tgtEl>
+                                          <p:spTgt spid="13"/>
+                                        </p:tgtEl>
+                                        <p:attrNameLst>
+                                          <p:attrName>style.visibility</p:attrName>
+                                        </p:attrNameLst>
+                                      </p:cBhvr>
+                                      <p:to>
+                                        <p:strVal val="visible"/>
+                                      </p:to>
+                                    </p:set>
+                                    <p:anim calcmode="lin" valueType="num">
+                                      <p:cBhvr additive="base">
+                                        <p:cTn id="37" dur="500" fill="hold"/>
+                                        <p:tgtEl>
+                                          <p:spTgt spid="13"/>
+                                        </p:tgtEl>
+                                        <p:attrNameLst>
+                                          <p:attrName>ppt_x</p:attrName>
+                                        </p:attrNameLst>
+                                      </p:cBhvr>
+                                      <p:tavLst>
+                                        <p:tav tm="0">
+                                          <p:val>
+                                            <p:strVal val="#ppt_x"/>
+                                          </p:val>
+                                        </p:tav>
+                                        <p:tav tm="100000">
+                                          <p:val>
+                                            <p:strVal val="#ppt_x"/>
+                                          </p:val>
+                                        </p:tav>
+                                      </p:tavLst>
+                                    </p:anim>
+                                    <p:anim calcmode="lin" valueType="num">
+                                      <p:cBhvr additive="base">
+                                        <p:cTn id="38" dur="500" fill="hold"/>
+                                        <p:tgtEl>
+                                          <p:spTgt spid="13"/>
+                                        </p:tgtEl>
+                                        <p:attrNameLst>
+                                          <p:attrName>ppt_y</p:attrName>
+                                        </p:attrNameLst>
+                                      </p:cBhvr>
+                                      <p:tavLst>
+                                        <p:tav tm="0">
+                                          <p:val>
+                                            <p:strVal val="1+#ppt_h/2"/>
+                                          </p:val>
+                                        </p:tav>
+                                        <p:tav tm="100000">
+                                          <p:val>
+                                            <p:strVal val="#ppt_y"/>
+                                          </p:val>
+                                        </p:tav>
+                                      </p:tavLst>
+                                    </p:anim>
+                                  </p:childTnLst>
+                                </p:cTn>
+                              </p:par>
+                              <p:par>
+                                <p:cTn id="39" presetID="2" presetClass="entr" presetSubtype="4" fill="hold" nodeType="withEffect">
+                                  <p:stCondLst>
+                                    <p:cond delay="0"/>
+                                  </p:stCondLst>
+                                  <p:childTnLst>
+                                    <p:set>
+                                      <p:cBhvr>
+                                        <p:cTn id="40" dur="1" fill="hold">
+                                          <p:stCondLst>
+                                            <p:cond delay="0"/>
+                                          </p:stCondLst>
+                                        </p:cTn>
+                                        <p:tgtEl>
+                                          <p:spTgt spid="16"/>
+                                        </p:tgtEl>
+                                        <p:attrNameLst>
+                                          <p:attrName>style.visibility</p:attrName>
+                                        </p:attrNameLst>
+                                      </p:cBhvr>
+                                      <p:to>
+                                        <p:strVal val="visible"/>
+                                      </p:to>
+                                    </p:set>
+                                    <p:anim calcmode="lin" valueType="num">
+                                      <p:cBhvr additive="base">
+                                        <p:cTn id="41" dur="500" fill="hold"/>
+                                        <p:tgtEl>
+                                          <p:spTgt spid="16"/>
+                                        </p:tgtEl>
+                                        <p:attrNameLst>
+                                          <p:attrName>ppt_x</p:attrName>
+                                        </p:attrNameLst>
+                                      </p:cBhvr>
+                                      <p:tavLst>
+                                        <p:tav tm="0">
+                                          <p:val>
+                                            <p:strVal val="#ppt_x"/>
+                                          </p:val>
+                                        </p:tav>
+                                        <p:tav tm="100000">
+                                          <p:val>
+                                            <p:strVal val="#ppt_x"/>
+                                          </p:val>
+                                        </p:tav>
+                                      </p:tavLst>
+                                    </p:anim>
+                                    <p:anim calcmode="lin" valueType="num">
+                                      <p:cBhvr additive="base">
+                                        <p:cTn id="42" dur="500" fill="hold"/>
+                                        <p:tgtEl>
+                                          <p:spTgt spid="16"/>
+                                        </p:tgtEl>
+                                        <p:attrNameLst>
+                                          <p:attrName>ppt_y</p:attrName>
+                                        </p:attrNameLst>
+                                      </p:cBhvr>
+                                      <p:tavLst>
+                                        <p:tav tm="0">
+                                          <p:val>
+                                            <p:strVal val="1+#ppt_h/2"/>
+                                          </p:val>
+                                        </p:tav>
+                                        <p:tav tm="100000">
+                                          <p:val>
+                                            <p:strVal val="#ppt_y"/>
+                                          </p:val>
+                                        </p:tav>
+                                      </p:tavLst>
+                                    </p:anim>
+                                  </p:childTnLst>
+                                </p:cTn>
+                              </p:par>
+                              <p:par>
+                                <p:cTn id="43" presetID="2" presetClass="entr" presetSubtype="4" fill="hold" nodeType="withEffect">
+                                  <p:stCondLst>
+                                    <p:cond delay="0"/>
+                                  </p:stCondLst>
+                                  <p:childTnLst>
+                                    <p:set>
+                                      <p:cBhvr>
+                                        <p:cTn id="44" dur="1" fill="hold">
+                                          <p:stCondLst>
+                                            <p:cond delay="0"/>
+                                          </p:stCondLst>
+                                        </p:cTn>
+                                        <p:tgtEl>
+                                          <p:spTgt spid="17"/>
+                                        </p:tgtEl>
+                                        <p:attrNameLst>
+                                          <p:attrName>style.visibility</p:attrName>
+                                        </p:attrNameLst>
+                                      </p:cBhvr>
+                                      <p:to>
+                                        <p:strVal val="visible"/>
+                                      </p:to>
+                                    </p:set>
+                                    <p:anim calcmode="lin" valueType="num">
+                                      <p:cBhvr additive="base">
+                                        <p:cTn id="45" dur="500" fill="hold"/>
+                                        <p:tgtEl>
+                                          <p:spTgt spid="17"/>
+                                        </p:tgtEl>
+                                        <p:attrNameLst>
+                                          <p:attrName>ppt_x</p:attrName>
+                                        </p:attrNameLst>
+                                      </p:cBhvr>
+                                      <p:tavLst>
+                                        <p:tav tm="0">
+                                          <p:val>
+                                            <p:strVal val="#ppt_x"/>
+                                          </p:val>
+                                        </p:tav>
+                                        <p:tav tm="100000">
+                                          <p:val>
+                                            <p:strVal val="#ppt_x"/>
+                                          </p:val>
+                                        </p:tav>
+                                      </p:tavLst>
+                                    </p:anim>
+                                    <p:anim calcmode="lin" valueType="num">
+                                      <p:cBhvr additive="base">
+                                        <p:cTn id="46" dur="500" fill="hold"/>
+                                        <p:tgtEl>
+                                          <p:spTgt spid="17"/>
+                                        </p:tgtEl>
+                                        <p:attrNameLst>
+                                          <p:attrName>ppt_y</p:attrName>
+                                        </p:attrNameLst>
+                                      </p:cBhvr>
+                                      <p:tavLst>
+                                        <p:tav tm="0">
+                                          <p:val>
+                                            <p:strVal val="1+#ppt_h/2"/>
+                                          </p:val>
+                                        </p:tav>
+                                        <p:tav tm="100000">
+                                          <p:val>
+                                            <p:strVal val="#ppt_y"/>
+                                          </p:val>
+                                        </p:tav>
+                                      </p:tavLst>
+                                    </p:anim>
+                                  </p:childTnLst>
+                                </p:cTn>
+                              </p:par>
+                              <p:par>
+                                <p:cTn id="47" presetID="2" presetClass="entr" presetSubtype="4" fill="hold" grpId="0" nodeType="withEffect">
+                                  <p:stCondLst>
+                                    <p:cond delay="0"/>
+                                  </p:stCondLst>
+                                  <p:childTnLst>
+                                    <p:set>
+                                      <p:cBhvr>
+                                        <p:cTn id="48" dur="1" fill="hold">
+                                          <p:stCondLst>
+                                            <p:cond delay="0"/>
+                                          </p:stCondLst>
+                                        </p:cTn>
+                                        <p:tgtEl>
+                                          <p:spTgt spid="15"/>
+                                        </p:tgtEl>
+                                        <p:attrNameLst>
+                                          <p:attrName>style.visibility</p:attrName>
+                                        </p:attrNameLst>
+                                      </p:cBhvr>
+                                      <p:to>
+                                        <p:strVal val="visible"/>
+                                      </p:to>
+                                    </p:set>
+                                    <p:anim calcmode="lin" valueType="num">
+                                      <p:cBhvr additive="base">
+                                        <p:cTn id="49" dur="500" fill="hold"/>
+                                        <p:tgtEl>
+                                          <p:spTgt spid="15"/>
+                                        </p:tgtEl>
+                                        <p:attrNameLst>
+                                          <p:attrName>ppt_x</p:attrName>
+                                        </p:attrNameLst>
+                                      </p:cBhvr>
+                                      <p:tavLst>
+                                        <p:tav tm="0">
+                                          <p:val>
+                                            <p:strVal val="#ppt_x"/>
+                                          </p:val>
+                                        </p:tav>
+                                        <p:tav tm="100000">
+                                          <p:val>
+                                            <p:strVal val="#ppt_x"/>
+                                          </p:val>
+                                        </p:tav>
+                                      </p:tavLst>
+                                    </p:anim>
+                                    <p:anim calcmode="lin" valueType="num">
+                                      <p:cBhvr additive="base">
+                                        <p:cTn id="50" dur="500" fill="hold"/>
+                                        <p:tgtEl>
+                                          <p:spTgt spid="15"/>
+                                        </p:tgtEl>
+                                        <p:attrNameLst>
+                                          <p:attrName>ppt_y</p:attrName>
+                                        </p:attrNameLst>
+                                      </p:cBhvr>
+                                      <p:tavLst>
+                                        <p:tav tm="0">
+                                          <p:val>
+                                            <p:strVal val="1+#ppt_h/2"/>
+                                          </p:val>
+                                        </p:tav>
+                                        <p:tav tm="100000">
+                                          <p:val>
+                                            <p:strVal val="#ppt_y"/>
+                                          </p:val>
+                                        </p:tav>
+                                      </p:tavLst>
+                                    </p:anim>
+                                  </p:childTnLst>
+                                </p:cTn>
+                              </p:par>
+                              <p:par>
+                                <p:cTn id="51" presetID="1" presetClass="entr" presetSubtype="0" fill="hold" nodeType="withEffect">
+                                  <p:stCondLst>
+                                    <p:cond delay="0"/>
+                                  </p:stCondLst>
+                                  <p:childTnLst>
+                                    <p:set>
+                                      <p:cBhvr>
+                                        <p:cTn id="52" dur="1" fill="hold">
+                                          <p:stCondLst>
+                                            <p:cond delay="0"/>
+                                          </p:stCondLst>
+                                        </p:cTn>
+                                        <p:tgtEl>
+                                          <p:spTgt spid="3">
+                                            <p:txEl>
+                                              <p:pRg st="12" end="12"/>
+                                            </p:txEl>
+                                          </p:spTgt>
+                                        </p:tgtEl>
+                                        <p:attrNameLst>
+                                          <p:attrName>style.visibility</p:attrName>
+                                        </p:attrNameLst>
+                                      </p:cBhvr>
+                                      <p:to>
+                                        <p:strVal val="visible"/>
+                                      </p:to>
+                                    </p:set>
+                                  </p:childTnLst>
+                                </p:cTn>
+                              </p:par>
+                            </p:childTnLst>
+                          </p:cTn>
+                        </p:par>
+                      </p:childTnLst>
+                    </p:cTn>
+                  </p:par>
+                </p:childTnLst>
+              </p:cTn>
+              <p:prevCondLst>
+                <p:cond evt="onPrev" delay="0">
+                  <p:tgtEl>
+                    <p:sldTgt/>
+                  </p:tgtEl>
+                </p:cond>
+              </p:prevCondLst>
+              <p:nextCondLst>
+                <p:cond evt="onNext" delay="0">
+                  <p:tgtEl>
+                    <p:sldTgt/>
+                  </p:tgtEl>
+                </p:cond>
+              </p:nextCondLst>
+            </p:seq>
+          </p:childTnLst>
+        </p:cTn>
       </p:par>
     </p:tnLst>
+    <p:bldLst>
+      <p:bldP spid="4" grpId="0" animBg="1"/>
+      <p:bldP spid="5" grpId="0" animBg="1"/>
+      <p:bldP spid="11" grpId="0" animBg="1"/>
+      <p:bldP spid="13" grpId="0" animBg="1"/>
+      <p:bldP spid="15" grpId="0" animBg="1"/>
+    </p:bldLst>
   </p:timing>
 </p:sld>
 </file>
@@ -27511,6 +29230,265 @@
     <p:extLst>
       <p:ext uri="{BB962C8B-B14F-4D97-AF65-F5344CB8AC3E}">
         <p14:creationId xmlns:p14="http://schemas.microsoft.com/office/powerpoint/2010/main" val="3640061415"/>
+      </p:ext>
+    </p:extLst>
+  </p:cSld>
+  <p:clrMapOvr>
+    <a:masterClrMapping/>
+  </p:clrMapOvr>
+  <p:timing>
+    <p:tnLst>
+      <p:par>
+        <p:cTn id="1" dur="indefinite" restart="never" nodeType="tmRoot"/>
+      </p:par>
+    </p:tnLst>
+  </p:timing>
+</p:sld>
+</file>
+
+<file path=ppt/slides/slide60.xml><?xml version="1.0" encoding="utf-8"?>
+<p:sld xmlns:a="http://schemas.openxmlformats.org/drawingml/2006/main" xmlns:r="http://schemas.openxmlformats.org/officeDocument/2006/relationships" xmlns:p="http://schemas.openxmlformats.org/presentationml/2006/main">
+  <p:cSld>
+    <p:spTree>
+      <p:nvGrpSpPr>
+        <p:cNvPr id="1" name=""/>
+        <p:cNvGrpSpPr/>
+        <p:nvPr/>
+      </p:nvGrpSpPr>
+      <p:grpSpPr>
+        <a:xfrm>
+          <a:off x="0" y="0"/>
+          <a:ext cx="0" cy="0"/>
+          <a:chOff x="0" y="0"/>
+          <a:chExt cx="0" cy="0"/>
+        </a:xfrm>
+      </p:grpSpPr>
+      <p:sp>
+        <p:nvSpPr>
+          <p:cNvPr id="2" name="Title 1"/>
+          <p:cNvSpPr>
+            <a:spLocks noGrp="1"/>
+          </p:cNvSpPr>
+          <p:nvPr>
+            <p:ph type="title"/>
+          </p:nvPr>
+        </p:nvSpPr>
+        <p:spPr>
+          <a:xfrm>
+            <a:off x="363415" y="128953"/>
+            <a:ext cx="11699631" cy="738555"/>
+          </a:xfrm>
+        </p:spPr>
+        <p:txBody>
+          <a:bodyPr/>
+          <a:lstStyle/>
+          <a:p>
+            <a:r>
+              <a:rPr lang="en-IN" dirty="0"/>
+              <a:t>Using Multiple CSS Classes &amp; Combined </a:t>
+            </a:r>
+            <a:r>
+              <a:rPr lang="en-IN" dirty="0" smtClean="0"/>
+              <a:t>Selectors Cont..</a:t>
+            </a:r>
+            <a:endParaRPr lang="en-GB" dirty="0"/>
+          </a:p>
+        </p:txBody>
+      </p:sp>
+      <p:sp>
+        <p:nvSpPr>
+          <p:cNvPr id="3" name="Content Placeholder 2"/>
+          <p:cNvSpPr>
+            <a:spLocks noGrp="1"/>
+          </p:cNvSpPr>
+          <p:nvPr>
+            <p:ph idx="1"/>
+          </p:nvPr>
+        </p:nvSpPr>
+        <p:spPr>
+          <a:xfrm>
+            <a:off x="677334" y="1019908"/>
+            <a:ext cx="10987128" cy="5709137"/>
+          </a:xfrm>
+        </p:spPr>
+        <p:txBody>
+          <a:bodyPr>
+            <a:normAutofit/>
+          </a:bodyPr>
+          <a:lstStyle/>
+          <a:p>
+            <a:r>
+              <a:rPr lang="en-IN" dirty="0" smtClean="0"/>
+              <a:t>We will find some html and </a:t>
+            </a:r>
+            <a:r>
+              <a:rPr lang="en-IN" dirty="0" err="1" smtClean="0"/>
+              <a:t>css</a:t>
+            </a:r>
+            <a:r>
+              <a:rPr lang="en-IN" dirty="0" smtClean="0"/>
+              <a:t> code in this commit in the </a:t>
+            </a:r>
+            <a:r>
+              <a:rPr lang="en-IN" dirty="0" err="1" smtClean="0"/>
+              <a:t>repository,we</a:t>
+            </a:r>
+            <a:r>
+              <a:rPr lang="en-IN" dirty="0" smtClean="0"/>
+              <a:t> have a </a:t>
+            </a:r>
+            <a:r>
+              <a:rPr lang="en-IN" dirty="0" err="1" smtClean="0"/>
+              <a:t>nav</a:t>
+            </a:r>
+            <a:r>
+              <a:rPr lang="en-IN" dirty="0" smtClean="0"/>
+              <a:t> with two links and then two sections with p tags in our index.html</a:t>
+            </a:r>
+          </a:p>
+          <a:p>
+            <a:r>
+              <a:rPr lang="en-IN" dirty="0" smtClean="0"/>
+              <a:t>In our main.css some basic styling is applied using tag and class selectors like margin background font padding border test-decoration etc.</a:t>
+            </a:r>
+          </a:p>
+          <a:p>
+            <a:r>
+              <a:rPr lang="en-IN" dirty="0" smtClean="0"/>
+              <a:t>We don’t have an element with two classes yet lets create this by adding a class highlighted to section1</a:t>
+            </a:r>
+          </a:p>
+          <a:p>
+            <a:r>
+              <a:rPr lang="en-IN" dirty="0" smtClean="0"/>
+              <a:t>The two classes here are separated just by a whitespace and they are independent of each other both of them can be reused anywhere</a:t>
+            </a:r>
+          </a:p>
+          <a:p>
+            <a:r>
+              <a:rPr lang="en-IN" dirty="0" smtClean="0"/>
+              <a:t>If two classes define a conflicting rule the normal specificity and ordering rule will apply and therefore whichever class is selected last in our main.css will override the property</a:t>
+            </a:r>
+          </a:p>
+          <a:p>
+            <a:r>
+              <a:rPr lang="en-IN" dirty="0" smtClean="0"/>
+              <a:t>To show this lets create a selector for our highlighted class below the .main-section class selector and override the border property to set it to 2px solid orange.</a:t>
+            </a:r>
+          </a:p>
+          <a:p>
+            <a:r>
+              <a:rPr lang="en-IN" dirty="0" smtClean="0"/>
+              <a:t>We will see that both classes are applied and highlighted class will override the border property as it comes last in the main.css file if we switch the order main-section will override the border property</a:t>
+            </a:r>
+          </a:p>
+          <a:p>
+            <a:r>
+              <a:rPr lang="en-IN" dirty="0" smtClean="0"/>
+              <a:t>Lets now have a look at the combined selector the first &lt;a&gt; tag in our </a:t>
+            </a:r>
+            <a:r>
+              <a:rPr lang="en-IN" dirty="0" err="1" smtClean="0"/>
+              <a:t>nav</a:t>
+            </a:r>
+            <a:r>
+              <a:rPr lang="en-IN" dirty="0" smtClean="0"/>
+              <a:t> has a class active lets use that to create a combined selector and  add a purple </a:t>
+            </a:r>
+            <a:r>
+              <a:rPr lang="en-IN" dirty="0" err="1" smtClean="0"/>
+              <a:t>color</a:t>
+            </a:r>
+            <a:r>
+              <a:rPr lang="en-IN" dirty="0" smtClean="0"/>
+              <a:t> to it we will see that the first link has a purple </a:t>
+            </a:r>
+            <a:r>
+              <a:rPr lang="en-IN" dirty="0" err="1" smtClean="0"/>
+              <a:t>color</a:t>
+            </a:r>
+            <a:r>
+              <a:rPr lang="en-IN" dirty="0" smtClean="0"/>
+              <a:t> now</a:t>
+            </a:r>
+            <a:endParaRPr lang="en-GB" dirty="0"/>
+          </a:p>
+        </p:txBody>
+      </p:sp>
+    </p:spTree>
+    <p:extLst>
+      <p:ext uri="{BB962C8B-B14F-4D97-AF65-F5344CB8AC3E}">
+        <p14:creationId xmlns:p14="http://schemas.microsoft.com/office/powerpoint/2010/main" val="223699457"/>
+      </p:ext>
+    </p:extLst>
+  </p:cSld>
+  <p:clrMapOvr>
+    <a:masterClrMapping/>
+  </p:clrMapOvr>
+  <p:timing>
+    <p:tnLst>
+      <p:par>
+        <p:cTn id="1" dur="indefinite" restart="never" nodeType="tmRoot"/>
+      </p:par>
+    </p:tnLst>
+  </p:timing>
+</p:sld>
+</file>
+
+<file path=ppt/slides/slide61.xml><?xml version="1.0" encoding="utf-8"?>
+<p:sld xmlns:a="http://schemas.openxmlformats.org/drawingml/2006/main" xmlns:r="http://schemas.openxmlformats.org/officeDocument/2006/relationships" xmlns:p="http://schemas.openxmlformats.org/presentationml/2006/main" showMasterSp="0">
+  <p:cSld>
+    <p:spTree>
+      <p:nvGrpSpPr>
+        <p:cNvPr id="1" name=""/>
+        <p:cNvGrpSpPr/>
+        <p:nvPr/>
+      </p:nvGrpSpPr>
+      <p:grpSpPr>
+        <a:xfrm>
+          <a:off x="0" y="0"/>
+          <a:ext cx="0" cy="0"/>
+          <a:chOff x="0" y="0"/>
+          <a:chExt cx="0" cy="0"/>
+        </a:xfrm>
+      </p:grpSpPr>
+      <p:sp>
+        <p:nvSpPr>
+          <p:cNvPr id="3" name="Content Placeholder 2"/>
+          <p:cNvSpPr>
+            <a:spLocks noGrp="1"/>
+          </p:cNvSpPr>
+          <p:nvPr>
+            <p:ph idx="1"/>
+          </p:nvPr>
+        </p:nvSpPr>
+        <p:spPr>
+          <a:xfrm>
+            <a:off x="3163860" y="2754147"/>
+            <a:ext cx="8596668" cy="3880773"/>
+          </a:xfrm>
+        </p:spPr>
+        <p:txBody>
+          <a:bodyPr>
+            <a:normAutofit/>
+          </a:bodyPr>
+          <a:lstStyle/>
+          <a:p>
+            <a:pPr marL="0" indent="0">
+              <a:buNone/>
+            </a:pPr>
+            <a:r>
+              <a:rPr lang="en-IN" sz="5400" b="1" smtClean="0"/>
+              <a:t>Thanks!!!!!</a:t>
+            </a:r>
+            <a:endParaRPr lang="en-GB" sz="5400" b="1" dirty="0"/>
+          </a:p>
+        </p:txBody>
+      </p:sp>
+    </p:spTree>
+    <p:extLst>
+      <p:ext uri="{BB962C8B-B14F-4D97-AF65-F5344CB8AC3E}">
+        <p14:creationId xmlns:p14="http://schemas.microsoft.com/office/powerpoint/2010/main" val="3977684842"/>
       </p:ext>
     </p:extLst>
   </p:cSld>

--- a/PPT/Css-v4.pptx
+++ b/PPT/Css-v4.pptx
@@ -5,7 +5,7 @@
     <p:sldMasterId id="2147483660" r:id="rId1"/>
   </p:sldMasterIdLst>
   <p:notesMasterIdLst>
-    <p:notesMasterId r:id="rId63"/>
+    <p:notesMasterId r:id="rId64"/>
   </p:notesMasterIdLst>
   <p:sldIdLst>
     <p:sldId id="256" r:id="rId2"/>
@@ -68,7 +68,8 @@
     <p:sldId id="421" r:id="rId59"/>
     <p:sldId id="422" r:id="rId60"/>
     <p:sldId id="423" r:id="rId61"/>
-    <p:sldId id="268" r:id="rId62"/>
+    <p:sldId id="424" r:id="rId62"/>
+    <p:sldId id="268" r:id="rId63"/>
   </p:sldIdLst>
   <p:sldSz cx="12192000" cy="6858000"/>
   <p:notesSz cx="6858000" cy="9144000"/>
@@ -257,7 +258,7 @@
           <a:p>
             <a:fld id="{39CD3BCA-8732-46CA-ADDD-C24F968DBEAF}" type="datetimeFigureOut">
               <a:rPr lang="en-GB" smtClean="0"/>
-              <a:t>12/11/2020</a:t>
+              <a:t>15/11/2020</a:t>
             </a:fld>
             <a:endParaRPr lang="en-GB"/>
           </a:p>
@@ -1142,6 +1143,119 @@
     <p:extLst>
       <p:ext uri="{BB962C8B-B14F-4D97-AF65-F5344CB8AC3E}">
         <p14:creationId xmlns:p14="http://schemas.microsoft.com/office/powerpoint/2010/main" val="3481173409"/>
+      </p:ext>
+    </p:extLst>
+  </p:cSld>
+  <p:clrMapOvr>
+    <a:masterClrMapping/>
+  </p:clrMapOvr>
+</p:notes>
+</file>
+
+<file path=ppt/notesSlides/notesSlide15.xml><?xml version="1.0" encoding="utf-8"?>
+<p:notes xmlns:a="http://schemas.openxmlformats.org/drawingml/2006/main" xmlns:r="http://schemas.openxmlformats.org/officeDocument/2006/relationships" xmlns:p="http://schemas.openxmlformats.org/presentationml/2006/main">
+  <p:cSld>
+    <p:spTree>
+      <p:nvGrpSpPr>
+        <p:cNvPr id="1" name=""/>
+        <p:cNvGrpSpPr/>
+        <p:nvPr/>
+      </p:nvGrpSpPr>
+      <p:grpSpPr>
+        <a:xfrm>
+          <a:off x="0" y="0"/>
+          <a:ext cx="0" cy="0"/>
+          <a:chOff x="0" y="0"/>
+          <a:chExt cx="0" cy="0"/>
+        </a:xfrm>
+      </p:grpSpPr>
+      <p:sp>
+        <p:nvSpPr>
+          <p:cNvPr id="2" name="Slide Image Placeholder 1"/>
+          <p:cNvSpPr>
+            <a:spLocks noGrp="1" noRot="1" noChangeAspect="1"/>
+          </p:cNvSpPr>
+          <p:nvPr>
+            <p:ph type="sldImg"/>
+          </p:nvPr>
+        </p:nvSpPr>
+        <p:spPr/>
+      </p:sp>
+      <p:sp>
+        <p:nvSpPr>
+          <p:cNvPr id="3" name="Notes Placeholder 2"/>
+          <p:cNvSpPr>
+            <a:spLocks noGrp="1"/>
+          </p:cNvSpPr>
+          <p:nvPr>
+            <p:ph type="body" idx="1"/>
+          </p:nvPr>
+        </p:nvSpPr>
+        <p:spPr/>
+        <p:txBody>
+          <a:bodyPr/>
+          <a:lstStyle/>
+          <a:p>
+            <a:r>
+              <a:rPr lang="en-IN" dirty="0" smtClean="0"/>
+              <a:t>Branch :</a:t>
+            </a:r>
+            <a:r>
+              <a:rPr lang="en-GB" sz="1200" kern="1200" dirty="0" err="1" smtClean="0">
+                <a:solidFill>
+                  <a:schemeClr val="tx1"/>
+                </a:solidFill>
+                <a:latin typeface="+mn-lt"/>
+                <a:ea typeface="+mn-ea"/>
+                <a:cs typeface="+mn-cs"/>
+              </a:rPr>
+              <a:t>MoreOnSelectorsAndCssFeatures</a:t>
+            </a:r>
+            <a:endParaRPr lang="en-IN" dirty="0" smtClean="0"/>
+          </a:p>
+          <a:p>
+            <a:r>
+              <a:rPr lang="en-IN" dirty="0" smtClean="0"/>
+              <a:t>Commit : </a:t>
+            </a:r>
+            <a:r>
+              <a:rPr lang="en-IN" dirty="0" err="1" smtClean="0"/>
+              <a:t>ClassesOrIds</a:t>
+            </a:r>
+            <a:endParaRPr lang="en-IN" dirty="0" smtClean="0"/>
+          </a:p>
+          <a:p>
+            <a:endParaRPr lang="en-GB" dirty="0"/>
+          </a:p>
+        </p:txBody>
+      </p:sp>
+      <p:sp>
+        <p:nvSpPr>
+          <p:cNvPr id="4" name="Slide Number Placeholder 3"/>
+          <p:cNvSpPr>
+            <a:spLocks noGrp="1"/>
+          </p:cNvSpPr>
+          <p:nvPr>
+            <p:ph type="sldNum" sz="quarter" idx="10"/>
+          </p:nvPr>
+        </p:nvSpPr>
+        <p:spPr/>
+        <p:txBody>
+          <a:bodyPr/>
+          <a:lstStyle/>
+          <a:p>
+            <a:fld id="{D3B79ED6-4970-4D84-B25C-F520A9D9210C}" type="slidenum">
+              <a:rPr lang="en-GB" smtClean="0"/>
+              <a:t>61</a:t>
+            </a:fld>
+            <a:endParaRPr lang="en-GB"/>
+          </a:p>
+        </p:txBody>
+      </p:sp>
+    </p:spTree>
+    <p:extLst>
+      <p:ext uri="{BB962C8B-B14F-4D97-AF65-F5344CB8AC3E}">
+        <p14:creationId xmlns:p14="http://schemas.microsoft.com/office/powerpoint/2010/main" val="1140852498"/>
       </p:ext>
     </p:extLst>
   </p:cSld>
@@ -2983,7 +3097,7 @@
           <a:p>
             <a:fld id="{D4BA8270-C9CF-44CA-BE5A-02C2BDCCEDE4}" type="datetimeFigureOut">
               <a:rPr lang="en-GB" smtClean="0"/>
-              <a:t>12/11/2020</a:t>
+              <a:t>15/11/2020</a:t>
             </a:fld>
             <a:endParaRPr lang="en-GB"/>
           </a:p>
@@ -3234,7 +3348,7 @@
           <a:p>
             <a:fld id="{D4BA8270-C9CF-44CA-BE5A-02C2BDCCEDE4}" type="datetimeFigureOut">
               <a:rPr lang="en-GB" smtClean="0"/>
-              <a:t>12/11/2020</a:t>
+              <a:t>15/11/2020</a:t>
             </a:fld>
             <a:endParaRPr lang="en-GB"/>
           </a:p>
@@ -3548,7 +3662,7 @@
           <a:p>
             <a:fld id="{D4BA8270-C9CF-44CA-BE5A-02C2BDCCEDE4}" type="datetimeFigureOut">
               <a:rPr lang="en-GB" smtClean="0"/>
-              <a:t>12/11/2020</a:t>
+              <a:t>15/11/2020</a:t>
             </a:fld>
             <a:endParaRPr lang="en-GB"/>
           </a:p>
@@ -3889,7 +4003,7 @@
           <a:p>
             <a:fld id="{D4BA8270-C9CF-44CA-BE5A-02C2BDCCEDE4}" type="datetimeFigureOut">
               <a:rPr lang="en-GB" smtClean="0"/>
-              <a:t>12/11/2020</a:t>
+              <a:t>15/11/2020</a:t>
             </a:fld>
             <a:endParaRPr lang="en-GB"/>
           </a:p>
@@ -4203,7 +4317,7 @@
           <a:p>
             <a:fld id="{D4BA8270-C9CF-44CA-BE5A-02C2BDCCEDE4}" type="datetimeFigureOut">
               <a:rPr lang="en-GB" smtClean="0"/>
-              <a:t>12/11/2020</a:t>
+              <a:t>15/11/2020</a:t>
             </a:fld>
             <a:endParaRPr lang="en-GB"/>
           </a:p>
@@ -4596,7 +4710,7 @@
           <a:p>
             <a:fld id="{D4BA8270-C9CF-44CA-BE5A-02C2BDCCEDE4}" type="datetimeFigureOut">
               <a:rPr lang="en-GB" smtClean="0"/>
-              <a:t>12/11/2020</a:t>
+              <a:t>15/11/2020</a:t>
             </a:fld>
             <a:endParaRPr lang="en-GB"/>
           </a:p>
@@ -4766,7 +4880,7 @@
           <a:p>
             <a:fld id="{D4BA8270-C9CF-44CA-BE5A-02C2BDCCEDE4}" type="datetimeFigureOut">
               <a:rPr lang="en-GB" smtClean="0"/>
-              <a:t>12/11/2020</a:t>
+              <a:t>15/11/2020</a:t>
             </a:fld>
             <a:endParaRPr lang="en-GB"/>
           </a:p>
@@ -4946,7 +5060,7 @@
           <a:p>
             <a:fld id="{D4BA8270-C9CF-44CA-BE5A-02C2BDCCEDE4}" type="datetimeFigureOut">
               <a:rPr lang="en-GB" smtClean="0"/>
-              <a:t>12/11/2020</a:t>
+              <a:t>15/11/2020</a:t>
             </a:fld>
             <a:endParaRPr lang="en-GB"/>
           </a:p>
@@ -5122,7 +5236,7 @@
           <a:p>
             <a:fld id="{D4BA8270-C9CF-44CA-BE5A-02C2BDCCEDE4}" type="datetimeFigureOut">
               <a:rPr lang="en-GB" smtClean="0"/>
-              <a:t>12/11/2020</a:t>
+              <a:t>15/11/2020</a:t>
             </a:fld>
             <a:endParaRPr lang="en-GB"/>
           </a:p>
@@ -5369,7 +5483,7 @@
           <a:p>
             <a:fld id="{D4BA8270-C9CF-44CA-BE5A-02C2BDCCEDE4}" type="datetimeFigureOut">
               <a:rPr lang="en-GB" smtClean="0"/>
-              <a:t>12/11/2020</a:t>
+              <a:t>15/11/2020</a:t>
             </a:fld>
             <a:endParaRPr lang="en-GB"/>
           </a:p>
@@ -5601,7 +5715,7 @@
           <a:p>
             <a:fld id="{D4BA8270-C9CF-44CA-BE5A-02C2BDCCEDE4}" type="datetimeFigureOut">
               <a:rPr lang="en-GB" smtClean="0"/>
-              <a:t>12/11/2020</a:t>
+              <a:t>15/11/2020</a:t>
             </a:fld>
             <a:endParaRPr lang="en-GB"/>
           </a:p>
@@ -5975,7 +6089,7 @@
           <a:p>
             <a:fld id="{D4BA8270-C9CF-44CA-BE5A-02C2BDCCEDE4}" type="datetimeFigureOut">
               <a:rPr lang="en-GB" smtClean="0"/>
-              <a:t>12/11/2020</a:t>
+              <a:t>15/11/2020</a:t>
             </a:fld>
             <a:endParaRPr lang="en-GB"/>
           </a:p>
@@ -6098,7 +6212,7 @@
           <a:p>
             <a:fld id="{D4BA8270-C9CF-44CA-BE5A-02C2BDCCEDE4}" type="datetimeFigureOut">
               <a:rPr lang="en-GB" smtClean="0"/>
-              <a:t>12/11/2020</a:t>
+              <a:t>15/11/2020</a:t>
             </a:fld>
             <a:endParaRPr lang="en-GB"/>
           </a:p>
@@ -6193,7 +6307,7 @@
           <a:p>
             <a:fld id="{D4BA8270-C9CF-44CA-BE5A-02C2BDCCEDE4}" type="datetimeFigureOut">
               <a:rPr lang="en-GB" smtClean="0"/>
-              <a:t>12/11/2020</a:t>
+              <a:t>15/11/2020</a:t>
             </a:fld>
             <a:endParaRPr lang="en-GB"/>
           </a:p>
@@ -6448,7 +6562,7 @@
           <a:p>
             <a:fld id="{D4BA8270-C9CF-44CA-BE5A-02C2BDCCEDE4}" type="datetimeFigureOut">
               <a:rPr lang="en-GB" smtClean="0"/>
-              <a:t>12/11/2020</a:t>
+              <a:t>15/11/2020</a:t>
             </a:fld>
             <a:endParaRPr lang="en-GB"/>
           </a:p>
@@ -6711,7 +6825,7 @@
           <a:p>
             <a:fld id="{D4BA8270-C9CF-44CA-BE5A-02C2BDCCEDE4}" type="datetimeFigureOut">
               <a:rPr lang="en-GB" smtClean="0"/>
-              <a:t>12/11/2020</a:t>
+              <a:t>15/11/2020</a:t>
             </a:fld>
             <a:endParaRPr lang="en-GB"/>
           </a:p>
@@ -7454,7 +7568,7 @@
           <a:p>
             <a:fld id="{D4BA8270-C9CF-44CA-BE5A-02C2BDCCEDE4}" type="datetimeFigureOut">
               <a:rPr lang="en-GB" smtClean="0"/>
-              <a:t>12/11/2020</a:t>
+              <a:t>15/11/2020</a:t>
             </a:fld>
             <a:endParaRPr lang="en-GB"/>
           </a:p>
@@ -29436,6 +29550,155 @@
 </file>
 
 <file path=ppt/slides/slide61.xml><?xml version="1.0" encoding="utf-8"?>
+<p:sld xmlns:a="http://schemas.openxmlformats.org/drawingml/2006/main" xmlns:r="http://schemas.openxmlformats.org/officeDocument/2006/relationships" xmlns:p="http://schemas.openxmlformats.org/presentationml/2006/main">
+  <p:cSld>
+    <p:spTree>
+      <p:nvGrpSpPr>
+        <p:cNvPr id="1" name=""/>
+        <p:cNvGrpSpPr/>
+        <p:nvPr/>
+      </p:nvGrpSpPr>
+      <p:grpSpPr>
+        <a:xfrm>
+          <a:off x="0" y="0"/>
+          <a:ext cx="0" cy="0"/>
+          <a:chOff x="0" y="0"/>
+          <a:chExt cx="0" cy="0"/>
+        </a:xfrm>
+      </p:grpSpPr>
+      <p:sp>
+        <p:nvSpPr>
+          <p:cNvPr id="2" name="Title 1"/>
+          <p:cNvSpPr>
+            <a:spLocks noGrp="1"/>
+          </p:cNvSpPr>
+          <p:nvPr>
+            <p:ph type="title"/>
+          </p:nvPr>
+        </p:nvSpPr>
+        <p:spPr>
+          <a:xfrm>
+            <a:off x="812416" y="121227"/>
+            <a:ext cx="8596668" cy="564573"/>
+          </a:xfrm>
+        </p:spPr>
+        <p:txBody>
+          <a:bodyPr>
+            <a:normAutofit fontScale="90000"/>
+          </a:bodyPr>
+          <a:lstStyle/>
+          <a:p>
+            <a:r>
+              <a:rPr lang="en-GB" dirty="0"/>
+              <a:t>Classes or IDs?</a:t>
+            </a:r>
+          </a:p>
+        </p:txBody>
+      </p:sp>
+      <p:sp>
+        <p:nvSpPr>
+          <p:cNvPr id="3" name="Content Placeholder 2"/>
+          <p:cNvSpPr>
+            <a:spLocks noGrp="1"/>
+          </p:cNvSpPr>
+          <p:nvPr>
+            <p:ph idx="1"/>
+          </p:nvPr>
+        </p:nvSpPr>
+        <p:spPr>
+          <a:xfrm>
+            <a:off x="677333" y="841665"/>
+            <a:ext cx="11033221" cy="5891644"/>
+          </a:xfrm>
+        </p:spPr>
+        <p:txBody>
+          <a:bodyPr/>
+          <a:lstStyle/>
+          <a:p>
+            <a:r>
+              <a:rPr lang="en-GB" dirty="0" err="1" smtClean="0"/>
+              <a:t>Css</a:t>
+            </a:r>
+            <a:r>
+              <a:rPr lang="en-GB" dirty="0" smtClean="0"/>
+              <a:t> Classes are re-usable. Classes allow us to name and mark things for styling purposes only . Although they can be used in conjunction with </a:t>
+            </a:r>
+            <a:r>
+              <a:rPr lang="en-GB" dirty="0" err="1" smtClean="0"/>
+              <a:t>js</a:t>
+            </a:r>
+            <a:r>
+              <a:rPr lang="en-GB" dirty="0" smtClean="0"/>
+              <a:t> to interact with the </a:t>
+            </a:r>
+            <a:r>
+              <a:rPr lang="en-GB" dirty="0" err="1" smtClean="0"/>
+              <a:t>dom</a:t>
+            </a:r>
+            <a:r>
+              <a:rPr lang="en-GB" dirty="0" smtClean="0"/>
+              <a:t> but that interaction is usually styling related. Classes are something really connected to </a:t>
+            </a:r>
+            <a:r>
+              <a:rPr lang="en-GB" dirty="0" err="1" smtClean="0"/>
+              <a:t>css</a:t>
+            </a:r>
+            <a:r>
+              <a:rPr lang="en-GB" dirty="0" smtClean="0"/>
+              <a:t> and therefore using a class to style something is rarely wrong and thus usually they should be the first pick for styling an element.</a:t>
+            </a:r>
+          </a:p>
+          <a:p>
+            <a:r>
+              <a:rPr lang="en-GB" dirty="0" smtClean="0"/>
+              <a:t>Using tag selectors it is easy to mess up things like for example you styled an h1 tag using a tag selector and the same style got applied to another h1 tag that you didn’t want to style . So try to use tag selectors for only some generic styles that should apply to every tag of that type.</a:t>
+            </a:r>
+          </a:p>
+          <a:p>
+            <a:r>
+              <a:rPr lang="en-GB" dirty="0" smtClean="0"/>
+              <a:t>Id selectors are also a decent choice if we want to style a unique element using an id it is a decent choice , but id’s also have a non </a:t>
+            </a:r>
+            <a:r>
+              <a:rPr lang="en-GB" dirty="0" err="1" smtClean="0"/>
+              <a:t>css</a:t>
+            </a:r>
+            <a:r>
+              <a:rPr lang="en-GB" dirty="0" smtClean="0"/>
+              <a:t> meaning they are not used only for styling purposes ,therefore using an id just to apply a style is not recommended and we should use a class instead even though such a class might not be reused.</a:t>
+            </a:r>
+          </a:p>
+          <a:p>
+            <a:endParaRPr lang="en-GB" dirty="0" smtClean="0"/>
+          </a:p>
+          <a:p>
+            <a:endParaRPr lang="en-GB" dirty="0" smtClean="0"/>
+          </a:p>
+          <a:p>
+            <a:endParaRPr lang="en-GB" dirty="0" smtClean="0"/>
+          </a:p>
+          <a:p>
+            <a:endParaRPr lang="en-GB" dirty="0" smtClean="0"/>
+          </a:p>
+          <a:p>
+            <a:endParaRPr lang="en-GB" dirty="0"/>
+          </a:p>
+        </p:txBody>
+      </p:sp>
+    </p:spTree>
+    <p:extLst>
+      <p:ext uri="{BB962C8B-B14F-4D97-AF65-F5344CB8AC3E}">
+        <p14:creationId xmlns:p14="http://schemas.microsoft.com/office/powerpoint/2010/main" val="2957459612"/>
+      </p:ext>
+    </p:extLst>
+  </p:cSld>
+  <p:clrMapOvr>
+    <a:masterClrMapping/>
+  </p:clrMapOvr>
+</p:sld>
+</file>
+
+<file path=ppt/slides/slide62.xml><?xml version="1.0" encoding="utf-8"?>
 <p:sld xmlns:a="http://schemas.openxmlformats.org/drawingml/2006/main" xmlns:r="http://schemas.openxmlformats.org/officeDocument/2006/relationships" xmlns:p="http://schemas.openxmlformats.org/presentationml/2006/main" showMasterSp="0">
   <p:cSld>
     <p:spTree>

--- a/PPT/Css-v4.pptx
+++ b/PPT/Css-v4.pptx
@@ -5,7 +5,7 @@
     <p:sldMasterId id="2147483660" r:id="rId1"/>
   </p:sldMasterIdLst>
   <p:notesMasterIdLst>
-    <p:notesMasterId r:id="rId64"/>
+    <p:notesMasterId r:id="rId65"/>
   </p:notesMasterIdLst>
   <p:sldIdLst>
     <p:sldId id="256" r:id="rId2"/>
@@ -69,7 +69,8 @@
     <p:sldId id="422" r:id="rId60"/>
     <p:sldId id="423" r:id="rId61"/>
     <p:sldId id="424" r:id="rId62"/>
-    <p:sldId id="268" r:id="rId63"/>
+    <p:sldId id="425" r:id="rId63"/>
+    <p:sldId id="268" r:id="rId64"/>
   </p:sldIdLst>
   <p:sldSz cx="12192000" cy="6858000"/>
   <p:notesSz cx="6858000" cy="9144000"/>
@@ -1256,6 +1257,114 @@
     <p:extLst>
       <p:ext uri="{BB962C8B-B14F-4D97-AF65-F5344CB8AC3E}">
         <p14:creationId xmlns:p14="http://schemas.microsoft.com/office/powerpoint/2010/main" val="1140852498"/>
+      </p:ext>
+    </p:extLst>
+  </p:cSld>
+  <p:clrMapOvr>
+    <a:masterClrMapping/>
+  </p:clrMapOvr>
+</p:notes>
+</file>
+
+<file path=ppt/notesSlides/notesSlide16.xml><?xml version="1.0" encoding="utf-8"?>
+<p:notes xmlns:a="http://schemas.openxmlformats.org/drawingml/2006/main" xmlns:r="http://schemas.openxmlformats.org/officeDocument/2006/relationships" xmlns:p="http://schemas.openxmlformats.org/presentationml/2006/main">
+  <p:cSld>
+    <p:spTree>
+      <p:nvGrpSpPr>
+        <p:cNvPr id="1" name=""/>
+        <p:cNvGrpSpPr/>
+        <p:nvPr/>
+      </p:nvGrpSpPr>
+      <p:grpSpPr>
+        <a:xfrm>
+          <a:off x="0" y="0"/>
+          <a:ext cx="0" cy="0"/>
+          <a:chOff x="0" y="0"/>
+          <a:chExt cx="0" cy="0"/>
+        </a:xfrm>
+      </p:grpSpPr>
+      <p:sp>
+        <p:nvSpPr>
+          <p:cNvPr id="2" name="Slide Image Placeholder 1"/>
+          <p:cNvSpPr>
+            <a:spLocks noGrp="1" noRot="1" noChangeAspect="1"/>
+          </p:cNvSpPr>
+          <p:nvPr>
+            <p:ph type="sldImg"/>
+          </p:nvPr>
+        </p:nvSpPr>
+        <p:spPr/>
+      </p:sp>
+      <p:sp>
+        <p:nvSpPr>
+          <p:cNvPr id="3" name="Notes Placeholder 2"/>
+          <p:cNvSpPr>
+            <a:spLocks noGrp="1"/>
+          </p:cNvSpPr>
+          <p:nvPr>
+            <p:ph type="body" idx="1"/>
+          </p:nvPr>
+        </p:nvSpPr>
+        <p:spPr/>
+        <p:txBody>
+          <a:bodyPr/>
+          <a:lstStyle/>
+          <a:p>
+            <a:r>
+              <a:rPr lang="en-IN" dirty="0" smtClean="0"/>
+              <a:t>Branch :</a:t>
+            </a:r>
+            <a:r>
+              <a:rPr lang="en-GB" sz="1200" kern="1200" dirty="0" err="1" smtClean="0">
+                <a:solidFill>
+                  <a:schemeClr val="tx1"/>
+                </a:solidFill>
+                <a:latin typeface="+mn-lt"/>
+                <a:ea typeface="+mn-ea"/>
+                <a:cs typeface="+mn-cs"/>
+              </a:rPr>
+              <a:t>MoreOnSelectorsAndCssFeatures</a:t>
+            </a:r>
+            <a:endParaRPr lang="en-IN" dirty="0" smtClean="0"/>
+          </a:p>
+          <a:p>
+            <a:r>
+              <a:rPr lang="en-IN" dirty="0" smtClean="0"/>
+              <a:t>Commit : Important</a:t>
+            </a:r>
+          </a:p>
+          <a:p>
+            <a:endParaRPr lang="en-GB" dirty="0"/>
+          </a:p>
+        </p:txBody>
+      </p:sp>
+      <p:sp>
+        <p:nvSpPr>
+          <p:cNvPr id="4" name="Slide Number Placeholder 3"/>
+          <p:cNvSpPr>
+            <a:spLocks noGrp="1"/>
+          </p:cNvSpPr>
+          <p:nvPr>
+            <p:ph type="sldNum" sz="quarter" idx="10"/>
+          </p:nvPr>
+        </p:nvSpPr>
+        <p:spPr/>
+        <p:txBody>
+          <a:bodyPr/>
+          <a:lstStyle/>
+          <a:p>
+            <a:fld id="{D3B79ED6-4970-4D84-B25C-F520A9D9210C}" type="slidenum">
+              <a:rPr lang="en-GB" smtClean="0"/>
+              <a:t>62</a:t>
+            </a:fld>
+            <a:endParaRPr lang="en-GB"/>
+          </a:p>
+        </p:txBody>
+      </p:sp>
+    </p:spTree>
+    <p:extLst>
+      <p:ext uri="{BB962C8B-B14F-4D97-AF65-F5344CB8AC3E}">
+        <p14:creationId xmlns:p14="http://schemas.microsoft.com/office/powerpoint/2010/main" val="339070920"/>
       </p:ext>
     </p:extLst>
   </p:cSld>
@@ -29699,6 +29808,143 @@
 </file>
 
 <file path=ppt/slides/slide62.xml><?xml version="1.0" encoding="utf-8"?>
+<p:sld xmlns:a="http://schemas.openxmlformats.org/drawingml/2006/main" xmlns:r="http://schemas.openxmlformats.org/officeDocument/2006/relationships" xmlns:p="http://schemas.openxmlformats.org/presentationml/2006/main">
+  <p:cSld>
+    <p:spTree>
+      <p:nvGrpSpPr>
+        <p:cNvPr id="1" name=""/>
+        <p:cNvGrpSpPr/>
+        <p:nvPr/>
+      </p:nvGrpSpPr>
+      <p:grpSpPr>
+        <a:xfrm>
+          <a:off x="0" y="0"/>
+          <a:ext cx="0" cy="0"/>
+          <a:chOff x="0" y="0"/>
+          <a:chExt cx="0" cy="0"/>
+        </a:xfrm>
+      </p:grpSpPr>
+      <p:sp>
+        <p:nvSpPr>
+          <p:cNvPr id="2" name="Title 1"/>
+          <p:cNvSpPr>
+            <a:spLocks noGrp="1"/>
+          </p:cNvSpPr>
+          <p:nvPr>
+            <p:ph type="title"/>
+          </p:nvPr>
+        </p:nvSpPr>
+        <p:spPr>
+          <a:xfrm>
+            <a:off x="947497" y="121228"/>
+            <a:ext cx="8596668" cy="512618"/>
+          </a:xfrm>
+        </p:spPr>
+        <p:txBody>
+          <a:bodyPr>
+            <a:normAutofit fontScale="90000"/>
+          </a:bodyPr>
+          <a:lstStyle/>
+          <a:p>
+            <a:r>
+              <a:rPr lang="en-GB" dirty="0" smtClean="0"/>
+              <a:t>(Not) using </a:t>
+            </a:r>
+            <a:r>
+              <a:rPr lang="en-GB" dirty="0"/>
+              <a:t>!important</a:t>
+            </a:r>
+            <a:endParaRPr lang="en-GB" dirty="0"/>
+          </a:p>
+        </p:txBody>
+      </p:sp>
+      <p:sp>
+        <p:nvSpPr>
+          <p:cNvPr id="3" name="Content Placeholder 2"/>
+          <p:cNvSpPr>
+            <a:spLocks noGrp="1"/>
+          </p:cNvSpPr>
+          <p:nvPr>
+            <p:ph idx="1"/>
+          </p:nvPr>
+        </p:nvSpPr>
+        <p:spPr>
+          <a:xfrm>
+            <a:off x="677334" y="883227"/>
+            <a:ext cx="11251430" cy="5735782"/>
+          </a:xfrm>
+        </p:spPr>
+        <p:txBody>
+          <a:bodyPr/>
+          <a:lstStyle/>
+          <a:p>
+            <a:r>
+              <a:rPr lang="en-IN" dirty="0" smtClean="0"/>
+              <a:t>If we add !important to the value of a rule in </a:t>
+            </a:r>
+            <a:r>
+              <a:rPr lang="en-IN" dirty="0" err="1" smtClean="0"/>
+              <a:t>css</a:t>
+            </a:r>
+            <a:r>
+              <a:rPr lang="en-IN" dirty="0" smtClean="0"/>
+              <a:t> after the value and before the ; it is called important it is used to override  all specificity and other selectors.</a:t>
+            </a:r>
+          </a:p>
+          <a:p>
+            <a:r>
+              <a:rPr lang="en-IN" dirty="0" smtClean="0"/>
+              <a:t>In general don’t use !important ,use specificity and rules  to style you website according  to your needs and to write better CSS code in the end.</a:t>
+            </a:r>
+          </a:p>
+          <a:p>
+            <a:r>
+              <a:rPr lang="en-IN" dirty="0"/>
+              <a:t> </a:t>
+            </a:r>
+            <a:r>
+              <a:rPr lang="en-IN" dirty="0" smtClean="0"/>
+              <a:t>It leads to bad code. It should be used  only in very rare some edge cases like badly written third party </a:t>
+            </a:r>
+            <a:r>
+              <a:rPr lang="en-IN" dirty="0" err="1" smtClean="0"/>
+              <a:t>css</a:t>
+            </a:r>
+            <a:r>
+              <a:rPr lang="en-IN" dirty="0" smtClean="0"/>
+              <a:t> </a:t>
+            </a:r>
+            <a:r>
+              <a:rPr lang="en-IN" dirty="0" err="1" smtClean="0"/>
+              <a:t>etc</a:t>
+            </a:r>
+            <a:endParaRPr lang="en-IN" dirty="0" smtClean="0"/>
+          </a:p>
+          <a:p>
+            <a:r>
+              <a:rPr lang="en-IN" dirty="0" smtClean="0"/>
+              <a:t>Lets see this in action in our main.css file the border defined in highlighted class selector overrides the one defined in main-section selector but if we add !important to it we will see that the border defined with !important always takes precedence. If we have some other overridden rule like height in highlighted they would still override</a:t>
+            </a:r>
+          </a:p>
+          <a:p>
+            <a:endParaRPr lang="en-GB" dirty="0"/>
+          </a:p>
+        </p:txBody>
+      </p:sp>
+    </p:spTree>
+    <p:extLst>
+      <p:ext uri="{BB962C8B-B14F-4D97-AF65-F5344CB8AC3E}">
+        <p14:creationId xmlns:p14="http://schemas.microsoft.com/office/powerpoint/2010/main" val="1420043943"/>
+      </p:ext>
+    </p:extLst>
+  </p:cSld>
+  <p:clrMapOvr>
+    <a:masterClrMapping/>
+  </p:clrMapOvr>
+</p:sld>
+</file>
+
+<file path=ppt/slides/slide63.xml><?xml version="1.0" encoding="utf-8"?>
 <p:sld xmlns:a="http://schemas.openxmlformats.org/drawingml/2006/main" xmlns:r="http://schemas.openxmlformats.org/officeDocument/2006/relationships" xmlns:p="http://schemas.openxmlformats.org/presentationml/2006/main" showMasterSp="0">
   <p:cSld>
     <p:spTree>

--- a/PPT/Css-v4.pptx
+++ b/PPT/Css-v4.pptx
@@ -5,7 +5,7 @@
     <p:sldMasterId id="2147483660" r:id="rId1"/>
   </p:sldMasterIdLst>
   <p:notesMasterIdLst>
-    <p:notesMasterId r:id="rId65"/>
+    <p:notesMasterId r:id="rId66"/>
   </p:notesMasterIdLst>
   <p:sldIdLst>
     <p:sldId id="256" r:id="rId2"/>
@@ -70,7 +70,8 @@
     <p:sldId id="423" r:id="rId61"/>
     <p:sldId id="424" r:id="rId62"/>
     <p:sldId id="425" r:id="rId63"/>
-    <p:sldId id="268" r:id="rId64"/>
+    <p:sldId id="426" r:id="rId64"/>
+    <p:sldId id="268" r:id="rId65"/>
   </p:sldIdLst>
   <p:sldSz cx="12192000" cy="6858000"/>
   <p:notesSz cx="6858000" cy="9144000"/>
@@ -259,7 +260,7 @@
           <a:p>
             <a:fld id="{39CD3BCA-8732-46CA-ADDD-C24F968DBEAF}" type="datetimeFigureOut">
               <a:rPr lang="en-GB" smtClean="0"/>
-              <a:t>15/11/2020</a:t>
+              <a:t>16/11/2020</a:t>
             </a:fld>
             <a:endParaRPr lang="en-GB"/>
           </a:p>
@@ -1365,6 +1366,119 @@
     <p:extLst>
       <p:ext uri="{BB962C8B-B14F-4D97-AF65-F5344CB8AC3E}">
         <p14:creationId xmlns:p14="http://schemas.microsoft.com/office/powerpoint/2010/main" val="339070920"/>
+      </p:ext>
+    </p:extLst>
+  </p:cSld>
+  <p:clrMapOvr>
+    <a:masterClrMapping/>
+  </p:clrMapOvr>
+</p:notes>
+</file>
+
+<file path=ppt/notesSlides/notesSlide17.xml><?xml version="1.0" encoding="utf-8"?>
+<p:notes xmlns:a="http://schemas.openxmlformats.org/drawingml/2006/main" xmlns:r="http://schemas.openxmlformats.org/officeDocument/2006/relationships" xmlns:p="http://schemas.openxmlformats.org/presentationml/2006/main">
+  <p:cSld>
+    <p:spTree>
+      <p:nvGrpSpPr>
+        <p:cNvPr id="1" name=""/>
+        <p:cNvGrpSpPr/>
+        <p:nvPr/>
+      </p:nvGrpSpPr>
+      <p:grpSpPr>
+        <a:xfrm>
+          <a:off x="0" y="0"/>
+          <a:ext cx="0" cy="0"/>
+          <a:chOff x="0" y="0"/>
+          <a:chExt cx="0" cy="0"/>
+        </a:xfrm>
+      </p:grpSpPr>
+      <p:sp>
+        <p:nvSpPr>
+          <p:cNvPr id="2" name="Slide Image Placeholder 1"/>
+          <p:cNvSpPr>
+            <a:spLocks noGrp="1" noRot="1" noChangeAspect="1"/>
+          </p:cNvSpPr>
+          <p:nvPr>
+            <p:ph type="sldImg"/>
+          </p:nvPr>
+        </p:nvSpPr>
+        <p:spPr/>
+      </p:sp>
+      <p:sp>
+        <p:nvSpPr>
+          <p:cNvPr id="3" name="Notes Placeholder 2"/>
+          <p:cNvSpPr>
+            <a:spLocks noGrp="1"/>
+          </p:cNvSpPr>
+          <p:nvPr>
+            <p:ph type="body" idx="1"/>
+          </p:nvPr>
+        </p:nvSpPr>
+        <p:spPr/>
+        <p:txBody>
+          <a:bodyPr/>
+          <a:lstStyle/>
+          <a:p>
+            <a:r>
+              <a:rPr lang="en-IN" dirty="0" smtClean="0"/>
+              <a:t>Branch :</a:t>
+            </a:r>
+            <a:r>
+              <a:rPr lang="en-GB" sz="1200" kern="1200" dirty="0" err="1" smtClean="0">
+                <a:solidFill>
+                  <a:schemeClr val="tx1"/>
+                </a:solidFill>
+                <a:latin typeface="+mn-lt"/>
+                <a:ea typeface="+mn-ea"/>
+                <a:cs typeface="+mn-cs"/>
+              </a:rPr>
+              <a:t>MoreOnSelectorsAndCssFeatures</a:t>
+            </a:r>
+            <a:endParaRPr lang="en-IN" dirty="0" smtClean="0"/>
+          </a:p>
+          <a:p>
+            <a:r>
+              <a:rPr lang="en-IN" dirty="0" smtClean="0"/>
+              <a:t>Commit : </a:t>
+            </a:r>
+            <a:r>
+              <a:rPr lang="en-IN" dirty="0" err="1" smtClean="0"/>
+              <a:t>notPseudoClass</a:t>
+            </a:r>
+            <a:endParaRPr lang="en-IN" dirty="0" smtClean="0"/>
+          </a:p>
+          <a:p>
+            <a:endParaRPr lang="en-GB" dirty="0"/>
+          </a:p>
+        </p:txBody>
+      </p:sp>
+      <p:sp>
+        <p:nvSpPr>
+          <p:cNvPr id="4" name="Slide Number Placeholder 3"/>
+          <p:cNvSpPr>
+            <a:spLocks noGrp="1"/>
+          </p:cNvSpPr>
+          <p:nvPr>
+            <p:ph type="sldNum" sz="quarter" idx="10"/>
+          </p:nvPr>
+        </p:nvSpPr>
+        <p:spPr/>
+        <p:txBody>
+          <a:bodyPr/>
+          <a:lstStyle/>
+          <a:p>
+            <a:fld id="{D3B79ED6-4970-4D84-B25C-F520A9D9210C}" type="slidenum">
+              <a:rPr lang="en-GB" smtClean="0"/>
+              <a:t>63</a:t>
+            </a:fld>
+            <a:endParaRPr lang="en-GB"/>
+          </a:p>
+        </p:txBody>
+      </p:sp>
+    </p:spTree>
+    <p:extLst>
+      <p:ext uri="{BB962C8B-B14F-4D97-AF65-F5344CB8AC3E}">
+        <p14:creationId xmlns:p14="http://schemas.microsoft.com/office/powerpoint/2010/main" val="3972308115"/>
       </p:ext>
     </p:extLst>
   </p:cSld>
@@ -3206,7 +3320,7 @@
           <a:p>
             <a:fld id="{D4BA8270-C9CF-44CA-BE5A-02C2BDCCEDE4}" type="datetimeFigureOut">
               <a:rPr lang="en-GB" smtClean="0"/>
-              <a:t>15/11/2020</a:t>
+              <a:t>16/11/2020</a:t>
             </a:fld>
             <a:endParaRPr lang="en-GB"/>
           </a:p>
@@ -3457,7 +3571,7 @@
           <a:p>
             <a:fld id="{D4BA8270-C9CF-44CA-BE5A-02C2BDCCEDE4}" type="datetimeFigureOut">
               <a:rPr lang="en-GB" smtClean="0"/>
-              <a:t>15/11/2020</a:t>
+              <a:t>16/11/2020</a:t>
             </a:fld>
             <a:endParaRPr lang="en-GB"/>
           </a:p>
@@ -3771,7 +3885,7 @@
           <a:p>
             <a:fld id="{D4BA8270-C9CF-44CA-BE5A-02C2BDCCEDE4}" type="datetimeFigureOut">
               <a:rPr lang="en-GB" smtClean="0"/>
-              <a:t>15/11/2020</a:t>
+              <a:t>16/11/2020</a:t>
             </a:fld>
             <a:endParaRPr lang="en-GB"/>
           </a:p>
@@ -4112,7 +4226,7 @@
           <a:p>
             <a:fld id="{D4BA8270-C9CF-44CA-BE5A-02C2BDCCEDE4}" type="datetimeFigureOut">
               <a:rPr lang="en-GB" smtClean="0"/>
-              <a:t>15/11/2020</a:t>
+              <a:t>16/11/2020</a:t>
             </a:fld>
             <a:endParaRPr lang="en-GB"/>
           </a:p>
@@ -4426,7 +4540,7 @@
           <a:p>
             <a:fld id="{D4BA8270-C9CF-44CA-BE5A-02C2BDCCEDE4}" type="datetimeFigureOut">
               <a:rPr lang="en-GB" smtClean="0"/>
-              <a:t>15/11/2020</a:t>
+              <a:t>16/11/2020</a:t>
             </a:fld>
             <a:endParaRPr lang="en-GB"/>
           </a:p>
@@ -4819,7 +4933,7 @@
           <a:p>
             <a:fld id="{D4BA8270-C9CF-44CA-BE5A-02C2BDCCEDE4}" type="datetimeFigureOut">
               <a:rPr lang="en-GB" smtClean="0"/>
-              <a:t>15/11/2020</a:t>
+              <a:t>16/11/2020</a:t>
             </a:fld>
             <a:endParaRPr lang="en-GB"/>
           </a:p>
@@ -4989,7 +5103,7 @@
           <a:p>
             <a:fld id="{D4BA8270-C9CF-44CA-BE5A-02C2BDCCEDE4}" type="datetimeFigureOut">
               <a:rPr lang="en-GB" smtClean="0"/>
-              <a:t>15/11/2020</a:t>
+              <a:t>16/11/2020</a:t>
             </a:fld>
             <a:endParaRPr lang="en-GB"/>
           </a:p>
@@ -5169,7 +5283,7 @@
           <a:p>
             <a:fld id="{D4BA8270-C9CF-44CA-BE5A-02C2BDCCEDE4}" type="datetimeFigureOut">
               <a:rPr lang="en-GB" smtClean="0"/>
-              <a:t>15/11/2020</a:t>
+              <a:t>16/11/2020</a:t>
             </a:fld>
             <a:endParaRPr lang="en-GB"/>
           </a:p>
@@ -5345,7 +5459,7 @@
           <a:p>
             <a:fld id="{D4BA8270-C9CF-44CA-BE5A-02C2BDCCEDE4}" type="datetimeFigureOut">
               <a:rPr lang="en-GB" smtClean="0"/>
-              <a:t>15/11/2020</a:t>
+              <a:t>16/11/2020</a:t>
             </a:fld>
             <a:endParaRPr lang="en-GB"/>
           </a:p>
@@ -5592,7 +5706,7 @@
           <a:p>
             <a:fld id="{D4BA8270-C9CF-44CA-BE5A-02C2BDCCEDE4}" type="datetimeFigureOut">
               <a:rPr lang="en-GB" smtClean="0"/>
-              <a:t>15/11/2020</a:t>
+              <a:t>16/11/2020</a:t>
             </a:fld>
             <a:endParaRPr lang="en-GB"/>
           </a:p>
@@ -5824,7 +5938,7 @@
           <a:p>
             <a:fld id="{D4BA8270-C9CF-44CA-BE5A-02C2BDCCEDE4}" type="datetimeFigureOut">
               <a:rPr lang="en-GB" smtClean="0"/>
-              <a:t>15/11/2020</a:t>
+              <a:t>16/11/2020</a:t>
             </a:fld>
             <a:endParaRPr lang="en-GB"/>
           </a:p>
@@ -6198,7 +6312,7 @@
           <a:p>
             <a:fld id="{D4BA8270-C9CF-44CA-BE5A-02C2BDCCEDE4}" type="datetimeFigureOut">
               <a:rPr lang="en-GB" smtClean="0"/>
-              <a:t>15/11/2020</a:t>
+              <a:t>16/11/2020</a:t>
             </a:fld>
             <a:endParaRPr lang="en-GB"/>
           </a:p>
@@ -6321,7 +6435,7 @@
           <a:p>
             <a:fld id="{D4BA8270-C9CF-44CA-BE5A-02C2BDCCEDE4}" type="datetimeFigureOut">
               <a:rPr lang="en-GB" smtClean="0"/>
-              <a:t>15/11/2020</a:t>
+              <a:t>16/11/2020</a:t>
             </a:fld>
             <a:endParaRPr lang="en-GB"/>
           </a:p>
@@ -6416,7 +6530,7 @@
           <a:p>
             <a:fld id="{D4BA8270-C9CF-44CA-BE5A-02C2BDCCEDE4}" type="datetimeFigureOut">
               <a:rPr lang="en-GB" smtClean="0"/>
-              <a:t>15/11/2020</a:t>
+              <a:t>16/11/2020</a:t>
             </a:fld>
             <a:endParaRPr lang="en-GB"/>
           </a:p>
@@ -6671,7 +6785,7 @@
           <a:p>
             <a:fld id="{D4BA8270-C9CF-44CA-BE5A-02C2BDCCEDE4}" type="datetimeFigureOut">
               <a:rPr lang="en-GB" smtClean="0"/>
-              <a:t>15/11/2020</a:t>
+              <a:t>16/11/2020</a:t>
             </a:fld>
             <a:endParaRPr lang="en-GB"/>
           </a:p>
@@ -6934,7 +7048,7 @@
           <a:p>
             <a:fld id="{D4BA8270-C9CF-44CA-BE5A-02C2BDCCEDE4}" type="datetimeFigureOut">
               <a:rPr lang="en-GB" smtClean="0"/>
-              <a:t>15/11/2020</a:t>
+              <a:t>16/11/2020</a:t>
             </a:fld>
             <a:endParaRPr lang="en-GB"/>
           </a:p>
@@ -7677,7 +7791,7 @@
           <a:p>
             <a:fld id="{D4BA8270-C9CF-44CA-BE5A-02C2BDCCEDE4}" type="datetimeFigureOut">
               <a:rPr lang="en-GB" smtClean="0"/>
-              <a:t>15/11/2020</a:t>
+              <a:t>16/11/2020</a:t>
             </a:fld>
             <a:endParaRPr lang="en-GB"/>
           </a:p>
@@ -29854,7 +29968,6 @@
               <a:rPr lang="en-GB" dirty="0"/>
               <a:t>!important</a:t>
             </a:r>
-            <a:endParaRPr lang="en-GB" dirty="0"/>
           </a:p>
         </p:txBody>
       </p:sp>
@@ -29945,6 +30058,214 @@
 </file>
 
 <file path=ppt/slides/slide63.xml><?xml version="1.0" encoding="utf-8"?>
+<p:sld xmlns:a="http://schemas.openxmlformats.org/drawingml/2006/main" xmlns:r="http://schemas.openxmlformats.org/officeDocument/2006/relationships" xmlns:p="http://schemas.openxmlformats.org/presentationml/2006/main">
+  <p:cSld>
+    <p:spTree>
+      <p:nvGrpSpPr>
+        <p:cNvPr id="1" name=""/>
+        <p:cNvGrpSpPr/>
+        <p:nvPr/>
+      </p:nvGrpSpPr>
+      <p:grpSpPr>
+        <a:xfrm>
+          <a:off x="0" y="0"/>
+          <a:ext cx="0" cy="0"/>
+          <a:chOff x="0" y="0"/>
+          <a:chExt cx="0" cy="0"/>
+        </a:xfrm>
+      </p:grpSpPr>
+      <p:sp>
+        <p:nvSpPr>
+          <p:cNvPr id="2" name="Title 1"/>
+          <p:cNvSpPr>
+            <a:spLocks noGrp="1"/>
+          </p:cNvSpPr>
+          <p:nvPr>
+            <p:ph type="title"/>
+          </p:nvPr>
+        </p:nvSpPr>
+        <p:spPr>
+          <a:xfrm>
+            <a:off x="791634" y="100445"/>
+            <a:ext cx="8596668" cy="668482"/>
+          </a:xfrm>
+        </p:spPr>
+        <p:txBody>
+          <a:bodyPr/>
+          <a:lstStyle/>
+          <a:p>
+            <a:r>
+              <a:rPr lang="en-IN" dirty="0"/>
+              <a:t>Selecting the Opposite with :not()</a:t>
+            </a:r>
+            <a:endParaRPr lang="en-GB" dirty="0"/>
+          </a:p>
+        </p:txBody>
+      </p:sp>
+      <p:sp>
+        <p:nvSpPr>
+          <p:cNvPr id="3" name="Content Placeholder 2"/>
+          <p:cNvSpPr>
+            <a:spLocks noGrp="1"/>
+          </p:cNvSpPr>
+          <p:nvPr>
+            <p:ph idx="1"/>
+          </p:nvPr>
+        </p:nvSpPr>
+        <p:spPr>
+          <a:xfrm>
+            <a:off x="677333" y="945573"/>
+            <a:ext cx="11126739" cy="5704609"/>
+          </a:xfrm>
+        </p:spPr>
+        <p:txBody>
+          <a:bodyPr>
+            <a:normAutofit fontScale="92500" lnSpcReduction="10000"/>
+          </a:bodyPr>
+          <a:lstStyle/>
+          <a:p>
+            <a:r>
+              <a:rPr lang="en-IN" dirty="0" smtClean="0"/>
+              <a:t>In the last section we had a look at pseudo classes.</a:t>
+            </a:r>
+          </a:p>
+          <a:p>
+            <a:r>
+              <a:rPr lang="en-IN" dirty="0" smtClean="0"/>
+              <a:t>Lets take a look at one such class not</a:t>
+            </a:r>
+          </a:p>
+          <a:p>
+            <a:r>
+              <a:rPr lang="en-IN" dirty="0" smtClean="0"/>
+              <a:t>Not is an interesting pseudo class as it allows us to reverse a certain rule or exclude a certain selector</a:t>
+            </a:r>
+          </a:p>
+          <a:p>
+            <a:r>
+              <a:rPr lang="en-IN" dirty="0" smtClean="0"/>
+              <a:t>The syntax used is :not(selector) this will select everything that is not the selector passed in the parenthesis</a:t>
+            </a:r>
+          </a:p>
+          <a:p>
+            <a:r>
+              <a:rPr lang="en-IN" dirty="0" smtClean="0"/>
+              <a:t>Some browsers support more complex selectors inside the parenthesis but most browsers don’t.</a:t>
+            </a:r>
+          </a:p>
+          <a:p>
+            <a:r>
+              <a:rPr lang="en-IN" dirty="0" smtClean="0"/>
+              <a:t>As per </a:t>
+            </a:r>
+            <a:r>
+              <a:rPr lang="en-IN" dirty="0" err="1" smtClean="0"/>
+              <a:t>mdn</a:t>
+            </a:r>
+            <a:r>
+              <a:rPr lang="en-IN" dirty="0" smtClean="0"/>
+              <a:t> reference “The ability to list more than one selector in not is experimental and not yet widely supported”</a:t>
+            </a:r>
+          </a:p>
+          <a:p>
+            <a:r>
+              <a:rPr lang="en-IN" dirty="0" smtClean="0"/>
+              <a:t>Lets see it in action</a:t>
+            </a:r>
+          </a:p>
+          <a:p>
+            <a:r>
+              <a:rPr lang="en-IN" dirty="0" smtClean="0"/>
+              <a:t>Lets select all anchor tags that don’t have the active class so we will write the selector as </a:t>
+            </a:r>
+          </a:p>
+          <a:p>
+            <a:pPr lvl="1"/>
+            <a:r>
+              <a:rPr lang="en-IN" dirty="0" smtClean="0"/>
+              <a:t>a:not(.active)</a:t>
+            </a:r>
+          </a:p>
+          <a:p>
+            <a:r>
+              <a:rPr lang="en-IN" dirty="0" smtClean="0"/>
+              <a:t>Lets give this selector a </a:t>
+            </a:r>
+            <a:r>
+              <a:rPr lang="en-IN" dirty="0" err="1" smtClean="0"/>
+              <a:t>color</a:t>
+            </a:r>
+            <a:r>
+              <a:rPr lang="en-IN" dirty="0" smtClean="0"/>
+              <a:t> blue and we will notice that the second anchor tag that does not have the active class is blue in </a:t>
+            </a:r>
+            <a:r>
+              <a:rPr lang="en-IN" dirty="0" err="1" smtClean="0"/>
+              <a:t>color</a:t>
+            </a:r>
+            <a:endParaRPr lang="en-IN" dirty="0" smtClean="0"/>
+          </a:p>
+          <a:p>
+            <a:r>
+              <a:rPr lang="en-IN" dirty="0" smtClean="0"/>
+              <a:t>It can be really handy in some cases but often you can find a positive way to write such a rule.</a:t>
+            </a:r>
+          </a:p>
+          <a:p>
+            <a:r>
+              <a:rPr lang="en-IN" dirty="0" smtClean="0"/>
+              <a:t>Like in this case we can set a blue </a:t>
+            </a:r>
+            <a:r>
+              <a:rPr lang="en-IN" dirty="0" err="1" smtClean="0"/>
+              <a:t>color</a:t>
+            </a:r>
+            <a:r>
+              <a:rPr lang="en-IN" dirty="0" smtClean="0"/>
+              <a:t> for all anchor tags and override it for </a:t>
+            </a:r>
+            <a:r>
+              <a:rPr lang="en-IN" dirty="0" err="1" smtClean="0"/>
+              <a:t>a.active</a:t>
+            </a:r>
+            <a:r>
+              <a:rPr lang="en-IN" dirty="0" smtClean="0"/>
+              <a:t> and since this selector offers more information it will override the default rule as it will have higher specificity.</a:t>
+            </a:r>
+          </a:p>
+          <a:p>
+            <a:r>
+              <a:rPr lang="en-IN" dirty="0" smtClean="0"/>
+              <a:t>From a performance </a:t>
+            </a:r>
+            <a:r>
+              <a:rPr lang="en-IN" dirty="0" err="1" smtClean="0"/>
+              <a:t>prespective</a:t>
+            </a:r>
+            <a:r>
+              <a:rPr lang="en-IN" dirty="0" smtClean="0"/>
+              <a:t> writing a positive rule is better than writing a not rule</a:t>
+            </a:r>
+          </a:p>
+          <a:p>
+            <a:endParaRPr lang="en-GB" dirty="0"/>
+          </a:p>
+        </p:txBody>
+      </p:sp>
+    </p:spTree>
+    <p:extLst>
+      <p:ext uri="{BB962C8B-B14F-4D97-AF65-F5344CB8AC3E}">
+        <p14:creationId xmlns:p14="http://schemas.microsoft.com/office/powerpoint/2010/main" val="3917454217"/>
+      </p:ext>
+    </p:extLst>
+  </p:cSld>
+  <p:clrMapOvr>
+    <a:masterClrMapping/>
+  </p:clrMapOvr>
+</p:sld>
+</file>
+
+<file path=ppt/slides/slide64.xml><?xml version="1.0" encoding="utf-8"?>
 <p:sld xmlns:a="http://schemas.openxmlformats.org/drawingml/2006/main" xmlns:r="http://schemas.openxmlformats.org/officeDocument/2006/relationships" xmlns:p="http://schemas.openxmlformats.org/presentationml/2006/main" showMasterSp="0">
   <p:cSld>
     <p:spTree>

--- a/PPT/Css-v4.pptx
+++ b/PPT/Css-v4.pptx
@@ -5,7 +5,7 @@
     <p:sldMasterId id="2147483660" r:id="rId1"/>
   </p:sldMasterIdLst>
   <p:notesMasterIdLst>
-    <p:notesMasterId r:id="rId66"/>
+    <p:notesMasterId r:id="rId67"/>
   </p:notesMasterIdLst>
   <p:sldIdLst>
     <p:sldId id="256" r:id="rId2"/>
@@ -71,7 +71,8 @@
     <p:sldId id="424" r:id="rId62"/>
     <p:sldId id="425" r:id="rId63"/>
     <p:sldId id="426" r:id="rId64"/>
-    <p:sldId id="268" r:id="rId65"/>
+    <p:sldId id="427" r:id="rId65"/>
+    <p:sldId id="268" r:id="rId66"/>
   </p:sldIdLst>
   <p:sldSz cx="12192000" cy="6858000"/>
   <p:notesSz cx="6858000" cy="9144000"/>
@@ -1479,6 +1480,119 @@
     <p:extLst>
       <p:ext uri="{BB962C8B-B14F-4D97-AF65-F5344CB8AC3E}">
         <p14:creationId xmlns:p14="http://schemas.microsoft.com/office/powerpoint/2010/main" val="3972308115"/>
+      </p:ext>
+    </p:extLst>
+  </p:cSld>
+  <p:clrMapOvr>
+    <a:masterClrMapping/>
+  </p:clrMapOvr>
+</p:notes>
+</file>
+
+<file path=ppt/notesSlides/notesSlide18.xml><?xml version="1.0" encoding="utf-8"?>
+<p:notes xmlns:a="http://schemas.openxmlformats.org/drawingml/2006/main" xmlns:r="http://schemas.openxmlformats.org/officeDocument/2006/relationships" xmlns:p="http://schemas.openxmlformats.org/presentationml/2006/main">
+  <p:cSld>
+    <p:spTree>
+      <p:nvGrpSpPr>
+        <p:cNvPr id="1" name=""/>
+        <p:cNvGrpSpPr/>
+        <p:nvPr/>
+      </p:nvGrpSpPr>
+      <p:grpSpPr>
+        <a:xfrm>
+          <a:off x="0" y="0"/>
+          <a:ext cx="0" cy="0"/>
+          <a:chOff x="0" y="0"/>
+          <a:chExt cx="0" cy="0"/>
+        </a:xfrm>
+      </p:grpSpPr>
+      <p:sp>
+        <p:nvSpPr>
+          <p:cNvPr id="2" name="Slide Image Placeholder 1"/>
+          <p:cNvSpPr>
+            <a:spLocks noGrp="1" noRot="1" noChangeAspect="1"/>
+          </p:cNvSpPr>
+          <p:nvPr>
+            <p:ph type="sldImg"/>
+          </p:nvPr>
+        </p:nvSpPr>
+        <p:spPr/>
+      </p:sp>
+      <p:sp>
+        <p:nvSpPr>
+          <p:cNvPr id="3" name="Notes Placeholder 2"/>
+          <p:cNvSpPr>
+            <a:spLocks noGrp="1"/>
+          </p:cNvSpPr>
+          <p:nvPr>
+            <p:ph type="body" idx="1"/>
+          </p:nvPr>
+        </p:nvSpPr>
+        <p:spPr/>
+        <p:txBody>
+          <a:bodyPr/>
+          <a:lstStyle/>
+          <a:p>
+            <a:r>
+              <a:rPr lang="en-IN" dirty="0" smtClean="0"/>
+              <a:t>Branch :</a:t>
+            </a:r>
+            <a:r>
+              <a:rPr lang="en-GB" sz="1200" kern="1200" dirty="0" err="1" smtClean="0">
+                <a:solidFill>
+                  <a:schemeClr val="tx1"/>
+                </a:solidFill>
+                <a:latin typeface="+mn-lt"/>
+                <a:ea typeface="+mn-ea"/>
+                <a:cs typeface="+mn-cs"/>
+              </a:rPr>
+              <a:t>MoreOnSelectorsAndCssFeatures</a:t>
+            </a:r>
+            <a:endParaRPr lang="en-IN" dirty="0" smtClean="0"/>
+          </a:p>
+          <a:p>
+            <a:r>
+              <a:rPr lang="en-IN" dirty="0" smtClean="0"/>
+              <a:t>Commit : </a:t>
+            </a:r>
+            <a:r>
+              <a:rPr lang="en-IN" dirty="0" err="1" smtClean="0"/>
+              <a:t>BrowserSupport</a:t>
+            </a:r>
+            <a:endParaRPr lang="en-IN" dirty="0" smtClean="0"/>
+          </a:p>
+          <a:p>
+            <a:endParaRPr lang="en-GB" dirty="0"/>
+          </a:p>
+        </p:txBody>
+      </p:sp>
+      <p:sp>
+        <p:nvSpPr>
+          <p:cNvPr id="4" name="Slide Number Placeholder 3"/>
+          <p:cNvSpPr>
+            <a:spLocks noGrp="1"/>
+          </p:cNvSpPr>
+          <p:nvPr>
+            <p:ph type="sldNum" sz="quarter" idx="10"/>
+          </p:nvPr>
+        </p:nvSpPr>
+        <p:spPr/>
+        <p:txBody>
+          <a:bodyPr/>
+          <a:lstStyle/>
+          <a:p>
+            <a:fld id="{D3B79ED6-4970-4D84-B25C-F520A9D9210C}" type="slidenum">
+              <a:rPr lang="en-GB" smtClean="0"/>
+              <a:t>64</a:t>
+            </a:fld>
+            <a:endParaRPr lang="en-GB"/>
+          </a:p>
+        </p:txBody>
+      </p:sp>
+    </p:spTree>
+    <p:extLst>
+      <p:ext uri="{BB962C8B-B14F-4D97-AF65-F5344CB8AC3E}">
+        <p14:creationId xmlns:p14="http://schemas.microsoft.com/office/powerpoint/2010/main" val="2308193631"/>
       </p:ext>
     </p:extLst>
   </p:cSld>
@@ -30266,6 +30380,196 @@
 </file>
 
 <file path=ppt/slides/slide64.xml><?xml version="1.0" encoding="utf-8"?>
+<p:sld xmlns:a="http://schemas.openxmlformats.org/drawingml/2006/main" xmlns:r="http://schemas.openxmlformats.org/officeDocument/2006/relationships" xmlns:p="http://schemas.openxmlformats.org/presentationml/2006/main">
+  <p:cSld>
+    <p:spTree>
+      <p:nvGrpSpPr>
+        <p:cNvPr id="1" name=""/>
+        <p:cNvGrpSpPr/>
+        <p:nvPr/>
+      </p:nvGrpSpPr>
+      <p:grpSpPr>
+        <a:xfrm>
+          <a:off x="0" y="0"/>
+          <a:ext cx="0" cy="0"/>
+          <a:chOff x="0" y="0"/>
+          <a:chExt cx="0" cy="0"/>
+        </a:xfrm>
+      </p:grpSpPr>
+      <p:sp>
+        <p:nvSpPr>
+          <p:cNvPr id="2" name="Title 1"/>
+          <p:cNvSpPr>
+            <a:spLocks noGrp="1"/>
+          </p:cNvSpPr>
+          <p:nvPr>
+            <p:ph type="title"/>
+          </p:nvPr>
+        </p:nvSpPr>
+        <p:spPr>
+          <a:xfrm>
+            <a:off x="822807" y="121228"/>
+            <a:ext cx="8596668" cy="554182"/>
+          </a:xfrm>
+        </p:spPr>
+        <p:txBody>
+          <a:bodyPr>
+            <a:normAutofit fontScale="90000"/>
+          </a:bodyPr>
+          <a:lstStyle/>
+          <a:p>
+            <a:r>
+              <a:rPr lang="en-GB" dirty="0"/>
+              <a:t>CSS &amp; Browser Support</a:t>
+            </a:r>
+            <a:endParaRPr lang="en-GB" dirty="0"/>
+          </a:p>
+        </p:txBody>
+      </p:sp>
+      <p:sp>
+        <p:nvSpPr>
+          <p:cNvPr id="3" name="Content Placeholder 2"/>
+          <p:cNvSpPr>
+            <a:spLocks noGrp="1"/>
+          </p:cNvSpPr>
+          <p:nvPr>
+            <p:ph idx="1"/>
+          </p:nvPr>
+        </p:nvSpPr>
+        <p:spPr>
+          <a:xfrm>
+            <a:off x="677333" y="924791"/>
+            <a:ext cx="10898139" cy="5116571"/>
+          </a:xfrm>
+        </p:spPr>
+        <p:txBody>
+          <a:bodyPr>
+            <a:normAutofit lnSpcReduction="10000"/>
+          </a:bodyPr>
+          <a:lstStyle/>
+          <a:p>
+            <a:r>
+              <a:rPr lang="en-IN" dirty="0" smtClean="0"/>
+              <a:t>In CSS whenever we use a certain type of selector or a certain property or a certain style you have to check if the browser of the target audience supports that feature otherwise we can’t use it.</a:t>
+            </a:r>
+          </a:p>
+          <a:p>
+            <a:r>
+              <a:rPr lang="en-IN" dirty="0" smtClean="0"/>
+              <a:t>We can always find workarounds for implementing features that are not supported ,but checking the browser support is till important.</a:t>
+            </a:r>
+          </a:p>
+          <a:p>
+            <a:r>
+              <a:rPr lang="en-IN" dirty="0" smtClean="0"/>
+              <a:t>On </a:t>
+            </a:r>
+            <a:r>
+              <a:rPr lang="en-IN" dirty="0" err="1" smtClean="0"/>
+              <a:t>mdn</a:t>
+            </a:r>
+            <a:r>
+              <a:rPr lang="en-IN" dirty="0" smtClean="0"/>
+              <a:t> reference we can see the browser support section on end of every page</a:t>
+            </a:r>
+          </a:p>
+          <a:p>
+            <a:r>
+              <a:rPr lang="en-IN" dirty="0" smtClean="0"/>
+              <a:t>There we will see a split for desktop and mobile browsers, and the major browsers and how well they support a certain feature</a:t>
+            </a:r>
+          </a:p>
+          <a:p>
+            <a:r>
+              <a:rPr lang="en-IN" dirty="0" smtClean="0"/>
+              <a:t>For some features you might also notice two lines in the table one for basic support and one for more advanced version of that feature</a:t>
+            </a:r>
+          </a:p>
+          <a:p>
+            <a:r>
+              <a:rPr lang="en-IN" dirty="0" smtClean="0"/>
+              <a:t>You can also see since which version a specific browser supports a specific feature</a:t>
+            </a:r>
+          </a:p>
+          <a:p>
+            <a:r>
+              <a:rPr lang="en-IN" dirty="0" smtClean="0"/>
+              <a:t>In addition to </a:t>
+            </a:r>
+            <a:r>
+              <a:rPr lang="en-IN" dirty="0" err="1" smtClean="0"/>
+              <a:t>mdn</a:t>
+            </a:r>
+            <a:r>
+              <a:rPr lang="en-IN" dirty="0" smtClean="0"/>
+              <a:t> we can also use </a:t>
+            </a:r>
+            <a:r>
+              <a:rPr lang="en-IN" dirty="0" smtClean="0">
+                <a:hlinkClick r:id="rId3"/>
+              </a:rPr>
+              <a:t>www.caniuse.com</a:t>
+            </a:r>
+            <a:endParaRPr lang="en-IN" dirty="0" smtClean="0"/>
+          </a:p>
+          <a:p>
+            <a:r>
+              <a:rPr lang="en-IN" dirty="0" smtClean="0"/>
+              <a:t>This website gives a lot of information about what is supported by which browser and also things like what percentage of market can use your website if we use a certain </a:t>
+            </a:r>
+            <a:r>
+              <a:rPr lang="en-IN" dirty="0" err="1" smtClean="0"/>
+              <a:t>feature.It</a:t>
+            </a:r>
+            <a:r>
+              <a:rPr lang="en-IN" dirty="0" smtClean="0"/>
+              <a:t> gives support for both </a:t>
+            </a:r>
+            <a:r>
+              <a:rPr lang="en-IN" dirty="0" err="1" smtClean="0"/>
+              <a:t>css</a:t>
+            </a:r>
+            <a:r>
+              <a:rPr lang="en-IN" dirty="0" smtClean="0"/>
+              <a:t> and </a:t>
+            </a:r>
+            <a:r>
+              <a:rPr lang="en-IN" dirty="0" err="1" smtClean="0"/>
+              <a:t>js</a:t>
+            </a:r>
+            <a:endParaRPr lang="en-IN" dirty="0" smtClean="0"/>
+          </a:p>
+          <a:p>
+            <a:r>
+              <a:rPr lang="en-IN" dirty="0" smtClean="0"/>
+              <a:t>Checking these and more such resources is always a good idea when building a real world project.</a:t>
+            </a:r>
+          </a:p>
+          <a:p>
+            <a:pPr marL="0" indent="0">
+              <a:buNone/>
+            </a:pPr>
+            <a:endParaRPr lang="en-IN" dirty="0" smtClean="0"/>
+          </a:p>
+          <a:p>
+            <a:endParaRPr lang="en-GB" dirty="0"/>
+          </a:p>
+        </p:txBody>
+      </p:sp>
+    </p:spTree>
+    <p:extLst>
+      <p:ext uri="{BB962C8B-B14F-4D97-AF65-F5344CB8AC3E}">
+        <p14:creationId xmlns:p14="http://schemas.microsoft.com/office/powerpoint/2010/main" val="1803871700"/>
+      </p:ext>
+    </p:extLst>
+  </p:cSld>
+  <p:clrMapOvr>
+    <a:masterClrMapping/>
+  </p:clrMapOvr>
+</p:sld>
+</file>
+
+<file path=ppt/slides/slide65.xml><?xml version="1.0" encoding="utf-8"?>
 <p:sld xmlns:a="http://schemas.openxmlformats.org/drawingml/2006/main" xmlns:r="http://schemas.openxmlformats.org/officeDocument/2006/relationships" xmlns:p="http://schemas.openxmlformats.org/presentationml/2006/main" showMasterSp="0">
   <p:cSld>
     <p:spTree>

--- a/PPT/Css-v4.pptx
+++ b/PPT/Css-v4.pptx
@@ -5,7 +5,7 @@
     <p:sldMasterId id="2147483660" r:id="rId1"/>
   </p:sldMasterIdLst>
   <p:notesMasterIdLst>
-    <p:notesMasterId r:id="rId67"/>
+    <p:notesMasterId r:id="rId68"/>
   </p:notesMasterIdLst>
   <p:sldIdLst>
     <p:sldId id="256" r:id="rId2"/>
@@ -72,7 +72,8 @@
     <p:sldId id="425" r:id="rId63"/>
     <p:sldId id="426" r:id="rId64"/>
     <p:sldId id="427" r:id="rId65"/>
-    <p:sldId id="268" r:id="rId66"/>
+    <p:sldId id="428" r:id="rId66"/>
+    <p:sldId id="268" r:id="rId67"/>
   </p:sldIdLst>
   <p:sldSz cx="12192000" cy="6858000"/>
   <p:notesSz cx="6858000" cy="9144000"/>
@@ -1593,6 +1594,119 @@
     <p:extLst>
       <p:ext uri="{BB962C8B-B14F-4D97-AF65-F5344CB8AC3E}">
         <p14:creationId xmlns:p14="http://schemas.microsoft.com/office/powerpoint/2010/main" val="2308193631"/>
+      </p:ext>
+    </p:extLst>
+  </p:cSld>
+  <p:clrMapOvr>
+    <a:masterClrMapping/>
+  </p:clrMapOvr>
+</p:notes>
+</file>
+
+<file path=ppt/notesSlides/notesSlide19.xml><?xml version="1.0" encoding="utf-8"?>
+<p:notes xmlns:a="http://schemas.openxmlformats.org/drawingml/2006/main" xmlns:r="http://schemas.openxmlformats.org/officeDocument/2006/relationships" xmlns:p="http://schemas.openxmlformats.org/presentationml/2006/main">
+  <p:cSld>
+    <p:spTree>
+      <p:nvGrpSpPr>
+        <p:cNvPr id="1" name=""/>
+        <p:cNvGrpSpPr/>
+        <p:nvPr/>
+      </p:nvGrpSpPr>
+      <p:grpSpPr>
+        <a:xfrm>
+          <a:off x="0" y="0"/>
+          <a:ext cx="0" cy="0"/>
+          <a:chOff x="0" y="0"/>
+          <a:chExt cx="0" cy="0"/>
+        </a:xfrm>
+      </p:grpSpPr>
+      <p:sp>
+        <p:nvSpPr>
+          <p:cNvPr id="2" name="Slide Image Placeholder 1"/>
+          <p:cNvSpPr>
+            <a:spLocks noGrp="1" noRot="1" noChangeAspect="1"/>
+          </p:cNvSpPr>
+          <p:nvPr>
+            <p:ph type="sldImg"/>
+          </p:nvPr>
+        </p:nvSpPr>
+        <p:spPr/>
+      </p:sp>
+      <p:sp>
+        <p:nvSpPr>
+          <p:cNvPr id="3" name="Notes Placeholder 2"/>
+          <p:cNvSpPr>
+            <a:spLocks noGrp="1"/>
+          </p:cNvSpPr>
+          <p:nvPr>
+            <p:ph type="body" idx="1"/>
+          </p:nvPr>
+        </p:nvSpPr>
+        <p:spPr/>
+        <p:txBody>
+          <a:bodyPr/>
+          <a:lstStyle/>
+          <a:p>
+            <a:r>
+              <a:rPr lang="en-IN" dirty="0" smtClean="0"/>
+              <a:t>Branch :</a:t>
+            </a:r>
+            <a:r>
+              <a:rPr lang="en-GB" sz="1200" kern="1200" dirty="0" err="1" smtClean="0">
+                <a:solidFill>
+                  <a:schemeClr val="tx1"/>
+                </a:solidFill>
+                <a:latin typeface="+mn-lt"/>
+                <a:ea typeface="+mn-ea"/>
+                <a:cs typeface="+mn-cs"/>
+              </a:rPr>
+              <a:t>MoreOnSelectorsAndCssFeatures</a:t>
+            </a:r>
+            <a:endParaRPr lang="en-IN" dirty="0" smtClean="0"/>
+          </a:p>
+          <a:p>
+            <a:r>
+              <a:rPr lang="en-IN" dirty="0" smtClean="0"/>
+              <a:t>Commit : </a:t>
+            </a:r>
+            <a:r>
+              <a:rPr lang="en-IN" dirty="0" err="1" smtClean="0"/>
+              <a:t>UsefulLinks</a:t>
+            </a:r>
+            <a:endParaRPr lang="en-IN" dirty="0" smtClean="0"/>
+          </a:p>
+          <a:p>
+            <a:endParaRPr lang="en-GB" dirty="0"/>
+          </a:p>
+        </p:txBody>
+      </p:sp>
+      <p:sp>
+        <p:nvSpPr>
+          <p:cNvPr id="4" name="Slide Number Placeholder 3"/>
+          <p:cNvSpPr>
+            <a:spLocks noGrp="1"/>
+          </p:cNvSpPr>
+          <p:nvPr>
+            <p:ph type="sldNum" sz="quarter" idx="10"/>
+          </p:nvPr>
+        </p:nvSpPr>
+        <p:spPr/>
+        <p:txBody>
+          <a:bodyPr/>
+          <a:lstStyle/>
+          <a:p>
+            <a:fld id="{D3B79ED6-4970-4D84-B25C-F520A9D9210C}" type="slidenum">
+              <a:rPr lang="en-GB" smtClean="0"/>
+              <a:t>65</a:t>
+            </a:fld>
+            <a:endParaRPr lang="en-GB"/>
+          </a:p>
+        </p:txBody>
+      </p:sp>
+    </p:spTree>
+    <p:extLst>
+      <p:ext uri="{BB962C8B-B14F-4D97-AF65-F5344CB8AC3E}">
+        <p14:creationId xmlns:p14="http://schemas.microsoft.com/office/powerpoint/2010/main" val="2923427582"/>
       </p:ext>
     </p:extLst>
   </p:cSld>
@@ -30422,7 +30536,6 @@
               <a:rPr lang="en-GB" dirty="0"/>
               <a:t>CSS &amp; Browser Support</a:t>
             </a:r>
-            <a:endParaRPr lang="en-GB" dirty="0"/>
           </a:p>
         </p:txBody>
       </p:sp>
@@ -30570,6 +30683,164 @@
 </file>
 
 <file path=ppt/slides/slide65.xml><?xml version="1.0" encoding="utf-8"?>
+<p:sld xmlns:a="http://schemas.openxmlformats.org/drawingml/2006/main" xmlns:r="http://schemas.openxmlformats.org/officeDocument/2006/relationships" xmlns:p="http://schemas.openxmlformats.org/presentationml/2006/main">
+  <p:cSld>
+    <p:spTree>
+      <p:nvGrpSpPr>
+        <p:cNvPr id="1" name=""/>
+        <p:cNvGrpSpPr/>
+        <p:nvPr/>
+      </p:nvGrpSpPr>
+      <p:grpSpPr>
+        <a:xfrm>
+          <a:off x="0" y="0"/>
+          <a:ext cx="0" cy="0"/>
+          <a:chOff x="0" y="0"/>
+          <a:chExt cx="0" cy="0"/>
+        </a:xfrm>
+      </p:grpSpPr>
+      <p:sp>
+        <p:nvSpPr>
+          <p:cNvPr id="2" name="Title 1"/>
+          <p:cNvSpPr>
+            <a:spLocks noGrp="1"/>
+          </p:cNvSpPr>
+          <p:nvPr>
+            <p:ph type="title"/>
+          </p:nvPr>
+        </p:nvSpPr>
+        <p:spPr>
+          <a:xfrm>
+            <a:off x="677334" y="609600"/>
+            <a:ext cx="8596668" cy="845127"/>
+          </a:xfrm>
+        </p:spPr>
+        <p:txBody>
+          <a:bodyPr/>
+          <a:lstStyle/>
+          <a:p>
+            <a:r>
+              <a:rPr lang="en-IN" dirty="0" smtClean="0"/>
+              <a:t>Useful Links</a:t>
+            </a:r>
+            <a:endParaRPr lang="en-GB" dirty="0"/>
+          </a:p>
+        </p:txBody>
+      </p:sp>
+      <p:sp>
+        <p:nvSpPr>
+          <p:cNvPr id="3" name="Content Placeholder 2"/>
+          <p:cNvSpPr>
+            <a:spLocks noGrp="1"/>
+          </p:cNvSpPr>
+          <p:nvPr>
+            <p:ph idx="1"/>
+          </p:nvPr>
+        </p:nvSpPr>
+        <p:spPr>
+          <a:xfrm>
+            <a:off x="677334" y="1381991"/>
+            <a:ext cx="8596668" cy="4659371"/>
+          </a:xfrm>
+        </p:spPr>
+        <p:txBody>
+          <a:bodyPr/>
+          <a:lstStyle/>
+          <a:p>
+            <a:r>
+              <a:rPr lang="en-IN" dirty="0"/>
+              <a:t>A discussion on "classes vs IDs": </a:t>
+            </a:r>
+            <a:r>
+              <a:rPr lang="en-IN" dirty="0">
+                <a:hlinkClick r:id="rId3"/>
+              </a:rPr>
+              <a:t>https://</a:t>
+            </a:r>
+            <a:r>
+              <a:rPr lang="en-IN" dirty="0" smtClean="0">
+                <a:hlinkClick r:id="rId3"/>
+              </a:rPr>
+              <a:t>stackoverflow.com/questions/12889362/difference-between-id-and-class-in-css-and-when-to-use-it</a:t>
+            </a:r>
+            <a:endParaRPr lang="en-IN" dirty="0"/>
+          </a:p>
+          <a:p>
+            <a:r>
+              <a:rPr lang="en-IN" dirty="0"/>
+              <a:t>When is using !important  okay? =&gt; </a:t>
+            </a:r>
+            <a:r>
+              <a:rPr lang="en-IN" dirty="0">
+                <a:hlinkClick r:id="rId4"/>
+              </a:rPr>
+              <a:t>https://css-tricks.com/when-using-important-is-the-right-choice</a:t>
+            </a:r>
+            <a:r>
+              <a:rPr lang="en-IN" dirty="0" smtClean="0">
+                <a:hlinkClick r:id="rId4"/>
+              </a:rPr>
+              <a:t>/</a:t>
+            </a:r>
+            <a:endParaRPr lang="en-IN" dirty="0"/>
+          </a:p>
+          <a:p>
+            <a:r>
+              <a:rPr lang="en-IN" dirty="0"/>
+              <a:t>The :not()  pseudo class: </a:t>
+            </a:r>
+            <a:r>
+              <a:rPr lang="en-IN" dirty="0">
+                <a:hlinkClick r:id="rId5"/>
+              </a:rPr>
+              <a:t>https://developer.mozilla.org/en-US/docs/Web/CSS/:</a:t>
+            </a:r>
+            <a:r>
+              <a:rPr lang="en-IN" dirty="0" smtClean="0">
+                <a:hlinkClick r:id="rId5"/>
+              </a:rPr>
+              <a:t>not</a:t>
+            </a:r>
+            <a:endParaRPr lang="en-IN" dirty="0"/>
+          </a:p>
+          <a:p>
+            <a:r>
+              <a:rPr lang="en-IN" dirty="0"/>
+              <a:t>Can I Use: </a:t>
+            </a:r>
+            <a:r>
+              <a:rPr lang="en-IN" dirty="0">
+                <a:hlinkClick r:id="rId6"/>
+              </a:rPr>
+              <a:t>https://caniuse.com</a:t>
+            </a:r>
+            <a:r>
+              <a:rPr lang="en-IN" dirty="0" smtClean="0">
+                <a:hlinkClick r:id="rId6"/>
+              </a:rPr>
+              <a:t>/</a:t>
+            </a:r>
+            <a:endParaRPr lang="en-GB" dirty="0"/>
+          </a:p>
+          <a:p>
+            <a:endParaRPr lang="en-GB" dirty="0"/>
+          </a:p>
+        </p:txBody>
+      </p:sp>
+    </p:spTree>
+    <p:extLst>
+      <p:ext uri="{BB962C8B-B14F-4D97-AF65-F5344CB8AC3E}">
+        <p14:creationId xmlns:p14="http://schemas.microsoft.com/office/powerpoint/2010/main" val="2024137708"/>
+      </p:ext>
+    </p:extLst>
+  </p:cSld>
+  <p:clrMapOvr>
+    <a:masterClrMapping/>
+  </p:clrMapOvr>
+</p:sld>
+</file>
+
+<file path=ppt/slides/slide66.xml><?xml version="1.0" encoding="utf-8"?>
 <p:sld xmlns:a="http://schemas.openxmlformats.org/drawingml/2006/main" xmlns:r="http://schemas.openxmlformats.org/officeDocument/2006/relationships" xmlns:p="http://schemas.openxmlformats.org/presentationml/2006/main" showMasterSp="0">
   <p:cSld>
     <p:spTree>
